--- a/Alati_za_poravnanje_ocitanja_na_referntni_genom.pptx
+++ b/Alati_za_poravnanje_ocitanja_na_referntni_genom.pptx
@@ -5,10 +5,10 @@
     <p:sldMasterId id="2147483648" r:id="rId4"/>
   </p:sldMasterIdLst>
   <p:notesMasterIdLst>
-    <p:notesMasterId r:id="rId24"/>
+    <p:notesMasterId r:id="rId25"/>
   </p:notesMasterIdLst>
   <p:handoutMasterIdLst>
-    <p:handoutMasterId r:id="rId25"/>
+    <p:handoutMasterId r:id="rId26"/>
   </p:handoutMasterIdLst>
   <p:sldIdLst>
     <p:sldId id="324" r:id="rId5"/>
@@ -23,13 +23,14 @@
     <p:sldId id="267" r:id="rId14"/>
     <p:sldId id="346" r:id="rId15"/>
     <p:sldId id="347" r:id="rId16"/>
-    <p:sldId id="335" r:id="rId17"/>
-    <p:sldId id="329" r:id="rId18"/>
-    <p:sldId id="348" r:id="rId19"/>
-    <p:sldId id="349" r:id="rId20"/>
-    <p:sldId id="340" r:id="rId21"/>
-    <p:sldId id="325" r:id="rId22"/>
-    <p:sldId id="327" r:id="rId23"/>
+    <p:sldId id="350" r:id="rId17"/>
+    <p:sldId id="335" r:id="rId18"/>
+    <p:sldId id="329" r:id="rId19"/>
+    <p:sldId id="348" r:id="rId20"/>
+    <p:sldId id="349" r:id="rId21"/>
+    <p:sldId id="340" r:id="rId22"/>
+    <p:sldId id="325" r:id="rId23"/>
+    <p:sldId id="327" r:id="rId24"/>
   </p:sldIdLst>
   <p:sldSz cx="12192000" cy="6858000"/>
   <p:notesSz cx="6858000" cy="9144000"/>
@@ -1088,7 +1089,7 @@
           <a:p>
             <a:fld id="{8530193B-564F-4854-8A52-728F3FB19C85}" type="slidenum">
               <a:rPr lang="en-US" noProof="0" smtClean="0"/>
-              <a:t>17</a:t>
+              <a:t>18</a:t>
             </a:fld>
             <a:endParaRPr lang="en-US" noProof="0" dirty="0"/>
           </a:p>
@@ -9033,7 +9034,7 @@
         </p:blipFill>
         <p:spPr>
           <a:xfrm>
-            <a:off x="1847257" y="70458"/>
+            <a:off x="1847257" y="107403"/>
             <a:ext cx="8497486" cy="4858428"/>
           </a:xfrm>
           <a:prstGeom prst="rect">
@@ -9256,6 +9257,526 @@
           </a:prstGeom>
         </p:spPr>
       </p:pic>
+      <p:sp>
+        <p:nvSpPr>
+          <p:cNvPr id="2" name="Rectangle 1">
+            <a:extLst>
+              <a:ext uri="{FF2B5EF4-FFF2-40B4-BE49-F238E27FC236}">
+                <a16:creationId xmlns:a16="http://schemas.microsoft.com/office/drawing/2014/main" id="{3AF235E0-9293-D91C-4EA0-28437FCB9882}"/>
+              </a:ext>
+            </a:extLst>
+          </p:cNvPr>
+          <p:cNvSpPr/>
+          <p:nvPr/>
+        </p:nvSpPr>
+        <p:spPr>
+          <a:xfrm>
+            <a:off x="8821511" y="3796145"/>
+            <a:ext cx="665019" cy="265197"/>
+          </a:xfrm>
+          <a:prstGeom prst="rect">
+            <a:avLst/>
+          </a:prstGeom>
+          <a:noFill/>
+          <a:ln w="38100">
+            <a:solidFill>
+              <a:srgbClr val="FFFF00"/>
+            </a:solidFill>
+          </a:ln>
+        </p:spPr>
+        <p:style>
+          <a:lnRef idx="2">
+            <a:schemeClr val="accent1">
+              <a:shade val="50000"/>
+            </a:schemeClr>
+          </a:lnRef>
+          <a:fillRef idx="1">
+            <a:schemeClr val="accent1"/>
+          </a:fillRef>
+          <a:effectRef idx="0">
+            <a:schemeClr val="accent1"/>
+          </a:effectRef>
+          <a:fontRef idx="minor">
+            <a:schemeClr val="lt1"/>
+          </a:fontRef>
+        </p:style>
+        <p:txBody>
+          <a:bodyPr rtlCol="0" anchor="ctr"/>
+          <a:lstStyle/>
+          <a:p>
+            <a:pPr algn="ctr"/>
+            <a:endParaRPr lang="hr-HR"/>
+          </a:p>
+        </p:txBody>
+      </p:sp>
+      <p:sp>
+        <p:nvSpPr>
+          <p:cNvPr id="4" name="Rectangle 3">
+            <a:extLst>
+              <a:ext uri="{FF2B5EF4-FFF2-40B4-BE49-F238E27FC236}">
+                <a16:creationId xmlns:a16="http://schemas.microsoft.com/office/drawing/2014/main" id="{8A31061E-A3D2-2FB3-C5E3-68836CDF34F3}"/>
+              </a:ext>
+            </a:extLst>
+          </p:cNvPr>
+          <p:cNvSpPr/>
+          <p:nvPr/>
+        </p:nvSpPr>
+        <p:spPr>
+          <a:xfrm>
+            <a:off x="9583127" y="3796145"/>
+            <a:ext cx="665019" cy="265197"/>
+          </a:xfrm>
+          <a:prstGeom prst="rect">
+            <a:avLst/>
+          </a:prstGeom>
+          <a:noFill/>
+          <a:ln w="38100">
+            <a:solidFill>
+              <a:srgbClr val="FFFF00"/>
+            </a:solidFill>
+          </a:ln>
+        </p:spPr>
+        <p:style>
+          <a:lnRef idx="2">
+            <a:schemeClr val="accent1">
+              <a:shade val="50000"/>
+            </a:schemeClr>
+          </a:lnRef>
+          <a:fillRef idx="1">
+            <a:schemeClr val="accent1"/>
+          </a:fillRef>
+          <a:effectRef idx="0">
+            <a:schemeClr val="accent1"/>
+          </a:effectRef>
+          <a:fontRef idx="minor">
+            <a:schemeClr val="lt1"/>
+          </a:fontRef>
+        </p:style>
+        <p:txBody>
+          <a:bodyPr rtlCol="0" anchor="ctr"/>
+          <a:lstStyle/>
+          <a:p>
+            <a:pPr algn="ctr"/>
+            <a:endParaRPr lang="hr-HR"/>
+          </a:p>
+        </p:txBody>
+      </p:sp>
+      <p:sp>
+        <p:nvSpPr>
+          <p:cNvPr id="5" name="Rectangle 4">
+            <a:extLst>
+              <a:ext uri="{FF2B5EF4-FFF2-40B4-BE49-F238E27FC236}">
+                <a16:creationId xmlns:a16="http://schemas.microsoft.com/office/drawing/2014/main" id="{D586B19E-77C8-7D0B-157C-0DE730773DD8}"/>
+              </a:ext>
+            </a:extLst>
+          </p:cNvPr>
+          <p:cNvSpPr/>
+          <p:nvPr/>
+        </p:nvSpPr>
+        <p:spPr>
+          <a:xfrm>
+            <a:off x="8073366" y="3392019"/>
+            <a:ext cx="665019" cy="265197"/>
+          </a:xfrm>
+          <a:prstGeom prst="rect">
+            <a:avLst/>
+          </a:prstGeom>
+          <a:noFill/>
+          <a:ln w="38100">
+            <a:solidFill>
+              <a:srgbClr val="FFFF00"/>
+            </a:solidFill>
+          </a:ln>
+        </p:spPr>
+        <p:style>
+          <a:lnRef idx="2">
+            <a:schemeClr val="accent1">
+              <a:shade val="50000"/>
+            </a:schemeClr>
+          </a:lnRef>
+          <a:fillRef idx="1">
+            <a:schemeClr val="accent1"/>
+          </a:fillRef>
+          <a:effectRef idx="0">
+            <a:schemeClr val="accent1"/>
+          </a:effectRef>
+          <a:fontRef idx="minor">
+            <a:schemeClr val="lt1"/>
+          </a:fontRef>
+        </p:style>
+        <p:txBody>
+          <a:bodyPr rtlCol="0" anchor="ctr"/>
+          <a:lstStyle/>
+          <a:p>
+            <a:pPr algn="ctr"/>
+            <a:endParaRPr lang="hr-HR"/>
+          </a:p>
+        </p:txBody>
+      </p:sp>
+      <p:sp>
+        <p:nvSpPr>
+          <p:cNvPr id="7" name="Rectangle 6">
+            <a:extLst>
+              <a:ext uri="{FF2B5EF4-FFF2-40B4-BE49-F238E27FC236}">
+                <a16:creationId xmlns:a16="http://schemas.microsoft.com/office/drawing/2014/main" id="{3180B183-38FD-891C-3369-DF0A130F3FDC}"/>
+              </a:ext>
+            </a:extLst>
+          </p:cNvPr>
+          <p:cNvSpPr/>
+          <p:nvPr/>
+        </p:nvSpPr>
+        <p:spPr>
+          <a:xfrm>
+            <a:off x="7297511" y="2946399"/>
+            <a:ext cx="665019" cy="265197"/>
+          </a:xfrm>
+          <a:prstGeom prst="rect">
+            <a:avLst/>
+          </a:prstGeom>
+          <a:noFill/>
+          <a:ln w="38100">
+            <a:solidFill>
+              <a:srgbClr val="FFFF00"/>
+            </a:solidFill>
+          </a:ln>
+        </p:spPr>
+        <p:style>
+          <a:lnRef idx="2">
+            <a:schemeClr val="accent1">
+              <a:shade val="50000"/>
+            </a:schemeClr>
+          </a:lnRef>
+          <a:fillRef idx="1">
+            <a:schemeClr val="accent1"/>
+          </a:fillRef>
+          <a:effectRef idx="0">
+            <a:schemeClr val="accent1"/>
+          </a:effectRef>
+          <a:fontRef idx="minor">
+            <a:schemeClr val="lt1"/>
+          </a:fontRef>
+        </p:style>
+        <p:txBody>
+          <a:bodyPr rtlCol="0" anchor="ctr"/>
+          <a:lstStyle/>
+          <a:p>
+            <a:pPr algn="ctr"/>
+            <a:endParaRPr lang="hr-HR"/>
+          </a:p>
+        </p:txBody>
+      </p:sp>
+      <p:sp>
+        <p:nvSpPr>
+          <p:cNvPr id="8" name="Rectangle 7">
+            <a:extLst>
+              <a:ext uri="{FF2B5EF4-FFF2-40B4-BE49-F238E27FC236}">
+                <a16:creationId xmlns:a16="http://schemas.microsoft.com/office/drawing/2014/main" id="{D2D15334-73ED-B953-71ED-F5D2DBB6107B}"/>
+              </a:ext>
+            </a:extLst>
+          </p:cNvPr>
+          <p:cNvSpPr/>
+          <p:nvPr/>
+        </p:nvSpPr>
+        <p:spPr>
+          <a:xfrm>
+            <a:off x="6540129" y="2536617"/>
+            <a:ext cx="665019" cy="265197"/>
+          </a:xfrm>
+          <a:prstGeom prst="rect">
+            <a:avLst/>
+          </a:prstGeom>
+          <a:noFill/>
+          <a:ln w="38100">
+            <a:solidFill>
+              <a:srgbClr val="FFFF00"/>
+            </a:solidFill>
+          </a:ln>
+        </p:spPr>
+        <p:style>
+          <a:lnRef idx="2">
+            <a:schemeClr val="accent1">
+              <a:shade val="50000"/>
+            </a:schemeClr>
+          </a:lnRef>
+          <a:fillRef idx="1">
+            <a:schemeClr val="accent1"/>
+          </a:fillRef>
+          <a:effectRef idx="0">
+            <a:schemeClr val="accent1"/>
+          </a:effectRef>
+          <a:fontRef idx="minor">
+            <a:schemeClr val="lt1"/>
+          </a:fontRef>
+        </p:style>
+        <p:txBody>
+          <a:bodyPr rtlCol="0" anchor="ctr"/>
+          <a:lstStyle/>
+          <a:p>
+            <a:pPr algn="ctr"/>
+            <a:endParaRPr lang="hr-HR"/>
+          </a:p>
+        </p:txBody>
+      </p:sp>
+      <p:sp>
+        <p:nvSpPr>
+          <p:cNvPr id="10" name="Rectangle 9">
+            <a:extLst>
+              <a:ext uri="{FF2B5EF4-FFF2-40B4-BE49-F238E27FC236}">
+                <a16:creationId xmlns:a16="http://schemas.microsoft.com/office/drawing/2014/main" id="{9227465D-8891-0F51-2504-E2935BBE9983}"/>
+              </a:ext>
+            </a:extLst>
+          </p:cNvPr>
+          <p:cNvSpPr/>
+          <p:nvPr/>
+        </p:nvSpPr>
+        <p:spPr>
+          <a:xfrm>
+            <a:off x="5763490" y="2120349"/>
+            <a:ext cx="665019" cy="265197"/>
+          </a:xfrm>
+          <a:prstGeom prst="rect">
+            <a:avLst/>
+          </a:prstGeom>
+          <a:noFill/>
+          <a:ln w="38100">
+            <a:solidFill>
+              <a:srgbClr val="FFFF00"/>
+            </a:solidFill>
+          </a:ln>
+        </p:spPr>
+        <p:style>
+          <a:lnRef idx="2">
+            <a:schemeClr val="accent1">
+              <a:shade val="50000"/>
+            </a:schemeClr>
+          </a:lnRef>
+          <a:fillRef idx="1">
+            <a:schemeClr val="accent1"/>
+          </a:fillRef>
+          <a:effectRef idx="0">
+            <a:schemeClr val="accent1"/>
+          </a:effectRef>
+          <a:fontRef idx="minor">
+            <a:schemeClr val="lt1"/>
+          </a:fontRef>
+        </p:style>
+        <p:txBody>
+          <a:bodyPr rtlCol="0" anchor="ctr"/>
+          <a:lstStyle/>
+          <a:p>
+            <a:pPr algn="ctr"/>
+            <a:endParaRPr lang="hr-HR"/>
+          </a:p>
+        </p:txBody>
+      </p:sp>
+      <p:sp>
+        <p:nvSpPr>
+          <p:cNvPr id="11" name="Rectangle 10">
+            <a:extLst>
+              <a:ext uri="{FF2B5EF4-FFF2-40B4-BE49-F238E27FC236}">
+                <a16:creationId xmlns:a16="http://schemas.microsoft.com/office/drawing/2014/main" id="{C910358D-F503-B1AD-FE01-F2BC5A2DCE64}"/>
+              </a:ext>
+            </a:extLst>
+          </p:cNvPr>
+          <p:cNvSpPr/>
+          <p:nvPr/>
+        </p:nvSpPr>
+        <p:spPr>
+          <a:xfrm>
+            <a:off x="5006893" y="1683761"/>
+            <a:ext cx="665019" cy="265197"/>
+          </a:xfrm>
+          <a:prstGeom prst="rect">
+            <a:avLst/>
+          </a:prstGeom>
+          <a:noFill/>
+          <a:ln w="38100">
+            <a:solidFill>
+              <a:srgbClr val="FFFF00"/>
+            </a:solidFill>
+          </a:ln>
+        </p:spPr>
+        <p:style>
+          <a:lnRef idx="2">
+            <a:schemeClr val="accent1">
+              <a:shade val="50000"/>
+            </a:schemeClr>
+          </a:lnRef>
+          <a:fillRef idx="1">
+            <a:schemeClr val="accent1"/>
+          </a:fillRef>
+          <a:effectRef idx="0">
+            <a:schemeClr val="accent1"/>
+          </a:effectRef>
+          <a:fontRef idx="minor">
+            <a:schemeClr val="lt1"/>
+          </a:fontRef>
+        </p:style>
+        <p:txBody>
+          <a:bodyPr rtlCol="0" anchor="ctr"/>
+          <a:lstStyle/>
+          <a:p>
+            <a:pPr algn="ctr"/>
+            <a:endParaRPr lang="hr-HR"/>
+          </a:p>
+        </p:txBody>
+      </p:sp>
+      <p:sp>
+        <p:nvSpPr>
+          <p:cNvPr id="12" name="Rectangle 11">
+            <a:extLst>
+              <a:ext uri="{FF2B5EF4-FFF2-40B4-BE49-F238E27FC236}">
+                <a16:creationId xmlns:a16="http://schemas.microsoft.com/office/drawing/2014/main" id="{9CDB3AD5-1012-932F-2D99-C3D08319553B}"/>
+              </a:ext>
+            </a:extLst>
+          </p:cNvPr>
+          <p:cNvSpPr/>
+          <p:nvPr/>
+        </p:nvSpPr>
+        <p:spPr>
+          <a:xfrm>
+            <a:off x="4240275" y="1274618"/>
+            <a:ext cx="665019" cy="265197"/>
+          </a:xfrm>
+          <a:prstGeom prst="rect">
+            <a:avLst/>
+          </a:prstGeom>
+          <a:noFill/>
+          <a:ln w="38100">
+            <a:solidFill>
+              <a:srgbClr val="FFFF00"/>
+            </a:solidFill>
+          </a:ln>
+        </p:spPr>
+        <p:style>
+          <a:lnRef idx="2">
+            <a:schemeClr val="accent1">
+              <a:shade val="50000"/>
+            </a:schemeClr>
+          </a:lnRef>
+          <a:fillRef idx="1">
+            <a:schemeClr val="accent1"/>
+          </a:fillRef>
+          <a:effectRef idx="0">
+            <a:schemeClr val="accent1"/>
+          </a:effectRef>
+          <a:fontRef idx="minor">
+            <a:schemeClr val="lt1"/>
+          </a:fontRef>
+        </p:style>
+        <p:txBody>
+          <a:bodyPr rtlCol="0" anchor="ctr"/>
+          <a:lstStyle/>
+          <a:p>
+            <a:pPr algn="ctr"/>
+            <a:endParaRPr lang="hr-HR"/>
+          </a:p>
+        </p:txBody>
+      </p:sp>
+      <p:sp>
+        <p:nvSpPr>
+          <p:cNvPr id="13" name="Rectangle 12">
+            <a:extLst>
+              <a:ext uri="{FF2B5EF4-FFF2-40B4-BE49-F238E27FC236}">
+                <a16:creationId xmlns:a16="http://schemas.microsoft.com/office/drawing/2014/main" id="{F6F6E64A-40B0-7384-FC0E-B9D4EAD20D4F}"/>
+              </a:ext>
+            </a:extLst>
+          </p:cNvPr>
+          <p:cNvSpPr/>
+          <p:nvPr/>
+        </p:nvSpPr>
+        <p:spPr>
+          <a:xfrm>
+            <a:off x="3575256" y="842407"/>
+            <a:ext cx="665019" cy="265197"/>
+          </a:xfrm>
+          <a:prstGeom prst="rect">
+            <a:avLst/>
+          </a:prstGeom>
+          <a:noFill/>
+          <a:ln w="38100">
+            <a:solidFill>
+              <a:srgbClr val="FFFF00"/>
+            </a:solidFill>
+          </a:ln>
+        </p:spPr>
+        <p:style>
+          <a:lnRef idx="2">
+            <a:schemeClr val="accent1">
+              <a:shade val="50000"/>
+            </a:schemeClr>
+          </a:lnRef>
+          <a:fillRef idx="1">
+            <a:schemeClr val="accent1"/>
+          </a:fillRef>
+          <a:effectRef idx="0">
+            <a:schemeClr val="accent1"/>
+          </a:effectRef>
+          <a:fontRef idx="minor">
+            <a:schemeClr val="lt1"/>
+          </a:fontRef>
+        </p:style>
+        <p:txBody>
+          <a:bodyPr rtlCol="0" anchor="ctr"/>
+          <a:lstStyle/>
+          <a:p>
+            <a:pPr algn="ctr"/>
+            <a:endParaRPr lang="hr-HR"/>
+          </a:p>
+        </p:txBody>
+      </p:sp>
+      <p:sp>
+        <p:nvSpPr>
+          <p:cNvPr id="14" name="Rectangle 13">
+            <a:extLst>
+              <a:ext uri="{FF2B5EF4-FFF2-40B4-BE49-F238E27FC236}">
+                <a16:creationId xmlns:a16="http://schemas.microsoft.com/office/drawing/2014/main" id="{8E76175D-EDC2-7B84-1F82-0A6D01532A3A}"/>
+              </a:ext>
+            </a:extLst>
+          </p:cNvPr>
+          <p:cNvSpPr/>
+          <p:nvPr/>
+        </p:nvSpPr>
+        <p:spPr>
+          <a:xfrm>
+            <a:off x="2762457" y="452581"/>
+            <a:ext cx="665019" cy="265197"/>
+          </a:xfrm>
+          <a:prstGeom prst="rect">
+            <a:avLst/>
+          </a:prstGeom>
+          <a:noFill/>
+          <a:ln w="38100">
+            <a:solidFill>
+              <a:srgbClr val="FFFF00"/>
+            </a:solidFill>
+          </a:ln>
+        </p:spPr>
+        <p:style>
+          <a:lnRef idx="2">
+            <a:schemeClr val="accent1">
+              <a:shade val="50000"/>
+            </a:schemeClr>
+          </a:lnRef>
+          <a:fillRef idx="1">
+            <a:schemeClr val="accent1"/>
+          </a:fillRef>
+          <a:effectRef idx="0">
+            <a:schemeClr val="accent1"/>
+          </a:effectRef>
+          <a:fontRef idx="minor">
+            <a:schemeClr val="lt1"/>
+          </a:fontRef>
+        </p:style>
+        <p:txBody>
+          <a:bodyPr rtlCol="0" anchor="ctr"/>
+          <a:lstStyle/>
+          <a:p>
+            <a:pPr algn="ctr"/>
+            <a:endParaRPr lang="hr-HR"/>
+          </a:p>
+        </p:txBody>
+      </p:sp>
     </p:spTree>
     <p:extLst>
       <p:ext uri="{BB962C8B-B14F-4D97-AF65-F5344CB8AC3E}">
@@ -9408,6 +9929,36 @@
           </a:p>
         </p:txBody>
       </p:sp>
+      <p:pic>
+        <p:nvPicPr>
+          <p:cNvPr id="5" name="Picture 4">
+            <a:extLst>
+              <a:ext uri="{FF2B5EF4-FFF2-40B4-BE49-F238E27FC236}">
+                <a16:creationId xmlns:a16="http://schemas.microsoft.com/office/drawing/2014/main" id="{A064CB9A-DD80-FA49-0CA1-DA1383F304C6}"/>
+              </a:ext>
+            </a:extLst>
+          </p:cNvPr>
+          <p:cNvPicPr>
+            <a:picLocks noChangeAspect="1"/>
+          </p:cNvPicPr>
+          <p:nvPr/>
+        </p:nvPicPr>
+        <p:blipFill>
+          <a:blip r:embed="rId3"/>
+          <a:stretch>
+            <a:fillRect/>
+          </a:stretch>
+        </p:blipFill>
+        <p:spPr>
+          <a:xfrm>
+            <a:off x="645019" y="6057788"/>
+            <a:ext cx="2152950" cy="800212"/>
+          </a:xfrm>
+          <a:prstGeom prst="rect">
+            <a:avLst/>
+          </a:prstGeom>
+        </p:spPr>
+      </p:pic>
     </p:spTree>
     <p:extLst>
       <p:ext uri="{BB962C8B-B14F-4D97-AF65-F5344CB8AC3E}">
@@ -9831,6 +10382,137 @@
   <p:cSld>
     <p:spTree>
       <p:nvGrpSpPr>
+        <p:cNvPr id="1" name=""/>
+        <p:cNvGrpSpPr/>
+        <p:nvPr/>
+      </p:nvGrpSpPr>
+      <p:grpSpPr>
+        <a:xfrm>
+          <a:off x="0" y="0"/>
+          <a:ext cx="0" cy="0"/>
+          <a:chOff x="0" y="0"/>
+          <a:chExt cx="0" cy="0"/>
+        </a:xfrm>
+      </p:grpSpPr>
+      <p:sp>
+        <p:nvSpPr>
+          <p:cNvPr id="7" name="Title 6">
+            <a:extLst>
+              <a:ext uri="{FF2B5EF4-FFF2-40B4-BE49-F238E27FC236}">
+                <a16:creationId xmlns:a16="http://schemas.microsoft.com/office/drawing/2014/main" id="{F7575CBD-3738-8750-E7D4-2FC5F9C4E07C}"/>
+              </a:ext>
+            </a:extLst>
+          </p:cNvPr>
+          <p:cNvSpPr>
+            <a:spLocks noGrp="1"/>
+          </p:cNvSpPr>
+          <p:nvPr>
+            <p:ph type="title"/>
+          </p:nvPr>
+        </p:nvSpPr>
+        <p:spPr>
+          <a:xfrm>
+            <a:off x="660399" y="805213"/>
+            <a:ext cx="10758323" cy="830997"/>
+          </a:xfrm>
+        </p:spPr>
+        <p:txBody>
+          <a:bodyPr/>
+          <a:lstStyle/>
+          <a:p>
+            <a:r>
+              <a:rPr lang="hr-HR" dirty="0"/>
+              <a:t>Računanje </a:t>
+            </a:r>
+            <a:r>
+              <a:rPr lang="hr-HR" dirty="0" err="1"/>
+              <a:t>minimizera</a:t>
+            </a:r>
+            <a:r>
+              <a:rPr lang="hr-HR" dirty="0"/>
+              <a:t> internog prozora</a:t>
+            </a:r>
+          </a:p>
+        </p:txBody>
+      </p:sp>
+      <p:pic>
+        <p:nvPicPr>
+          <p:cNvPr id="9" name="Picture 8">
+            <a:extLst>
+              <a:ext uri="{FF2B5EF4-FFF2-40B4-BE49-F238E27FC236}">
+                <a16:creationId xmlns:a16="http://schemas.microsoft.com/office/drawing/2014/main" id="{B369C45B-84FE-E1DD-ADB3-48D1A83B6879}"/>
+              </a:ext>
+            </a:extLst>
+          </p:cNvPr>
+          <p:cNvPicPr>
+            <a:picLocks noChangeAspect="1"/>
+          </p:cNvPicPr>
+          <p:nvPr/>
+        </p:nvPicPr>
+        <p:blipFill>
+          <a:blip r:embed="rId2"/>
+          <a:stretch>
+            <a:fillRect/>
+          </a:stretch>
+        </p:blipFill>
+        <p:spPr>
+          <a:xfrm>
+            <a:off x="2629784" y="1896891"/>
+            <a:ext cx="5934903" cy="3639058"/>
+          </a:xfrm>
+          <a:prstGeom prst="rect">
+            <a:avLst/>
+          </a:prstGeom>
+        </p:spPr>
+      </p:pic>
+      <p:pic>
+        <p:nvPicPr>
+          <p:cNvPr id="11" name="Picture 10">
+            <a:extLst>
+              <a:ext uri="{FF2B5EF4-FFF2-40B4-BE49-F238E27FC236}">
+                <a16:creationId xmlns:a16="http://schemas.microsoft.com/office/drawing/2014/main" id="{3DEF2C35-898A-7C05-1A3F-1B9BA773FE20}"/>
+              </a:ext>
+            </a:extLst>
+          </p:cNvPr>
+          <p:cNvPicPr>
+            <a:picLocks noChangeAspect="1"/>
+          </p:cNvPicPr>
+          <p:nvPr/>
+        </p:nvPicPr>
+        <p:blipFill>
+          <a:blip r:embed="rId3"/>
+          <a:stretch>
+            <a:fillRect/>
+          </a:stretch>
+        </p:blipFill>
+        <p:spPr>
+          <a:xfrm>
+            <a:off x="660399" y="6060967"/>
+            <a:ext cx="1914792" cy="771633"/>
+          </a:xfrm>
+          <a:prstGeom prst="rect">
+            <a:avLst/>
+          </a:prstGeom>
+        </p:spPr>
+      </p:pic>
+    </p:spTree>
+    <p:extLst>
+      <p:ext uri="{BB962C8B-B14F-4D97-AF65-F5344CB8AC3E}">
+        <p14:creationId xmlns:p14="http://schemas.microsoft.com/office/powerpoint/2010/main" val="404494956"/>
+      </p:ext>
+    </p:extLst>
+  </p:cSld>
+  <p:clrMapOvr>
+    <a:masterClrMapping/>
+  </p:clrMapOvr>
+</p:sld>
+</file>
+
+<file path=ppt/slides/slide14.xml><?xml version="1.0" encoding="utf-8"?>
+<p:sld xmlns:a="http://schemas.openxmlformats.org/drawingml/2006/main" xmlns:r="http://schemas.openxmlformats.org/officeDocument/2006/relationships" xmlns:p="http://schemas.openxmlformats.org/presentationml/2006/main">
+  <p:cSld>
+    <p:spTree>
+      <p:nvGrpSpPr>
         <p:cNvPr id="1" name="">
           <a:extLst>
             <a:ext uri="{FF2B5EF4-FFF2-40B4-BE49-F238E27FC236}">
@@ -10021,189 +10703,6 @@
     <p:extLst>
       <p:ext uri="{BB962C8B-B14F-4D97-AF65-F5344CB8AC3E}">
         <p14:creationId xmlns:p14="http://schemas.microsoft.com/office/powerpoint/2010/main" val="3939903590"/>
-      </p:ext>
-    </p:extLst>
-  </p:cSld>
-  <p:clrMapOvr>
-    <a:masterClrMapping/>
-  </p:clrMapOvr>
-</p:sld>
-</file>
-
-<file path=ppt/slides/slide14.xml><?xml version="1.0" encoding="utf-8"?>
-<p:sld xmlns:a="http://schemas.openxmlformats.org/drawingml/2006/main" xmlns:r="http://schemas.openxmlformats.org/officeDocument/2006/relationships" xmlns:p="http://schemas.openxmlformats.org/presentationml/2006/main">
-  <p:cSld>
-    <p:spTree>
-      <p:nvGrpSpPr>
-        <p:cNvPr id="1" name=""/>
-        <p:cNvGrpSpPr/>
-        <p:nvPr/>
-      </p:nvGrpSpPr>
-      <p:grpSpPr>
-        <a:xfrm>
-          <a:off x="0" y="0"/>
-          <a:ext cx="0" cy="0"/>
-          <a:chOff x="0" y="0"/>
-          <a:chExt cx="0" cy="0"/>
-        </a:xfrm>
-      </p:grpSpPr>
-      <p:sp>
-        <p:nvSpPr>
-          <p:cNvPr id="2" name="Text Placeholder 1">
-            <a:extLst>
-              <a:ext uri="{FF2B5EF4-FFF2-40B4-BE49-F238E27FC236}">
-                <a16:creationId xmlns:a16="http://schemas.microsoft.com/office/drawing/2014/main" id="{B5AED86E-C503-498C-B470-14CF2D43577F}"/>
-              </a:ext>
-            </a:extLst>
-          </p:cNvPr>
-          <p:cNvSpPr>
-            <a:spLocks noGrp="1"/>
-          </p:cNvSpPr>
-          <p:nvPr>
-            <p:ph type="body" sz="quarter" idx="12"/>
-          </p:nvPr>
-        </p:nvSpPr>
-        <p:spPr/>
-        <p:txBody>
-          <a:bodyPr/>
-          <a:lstStyle/>
-          <a:p>
-            <a:r>
-              <a:rPr lang="hr-HR" dirty="0"/>
-              <a:t>Poklapanja smo spremili kao: (minimizer, pozicija na fragmentu, pozicija na referentnom genomu)</a:t>
-            </a:r>
-          </a:p>
-          <a:p>
-            <a:r>
-              <a:rPr lang="hr-HR" dirty="0"/>
-              <a:t>Sortiramo ih uzlazno po poziciji na fragmentu</a:t>
-            </a:r>
-          </a:p>
-          <a:p>
-            <a:r>
-              <a:rPr lang="hr-HR" dirty="0"/>
-              <a:t>LIS – najdulji niz u kojem su pozicije na fragmentu i referentnom genomu uvijek rastuće</a:t>
-            </a:r>
-          </a:p>
-        </p:txBody>
-      </p:sp>
-      <p:sp>
-        <p:nvSpPr>
-          <p:cNvPr id="4" name="Title 3">
-            <a:extLst>
-              <a:ext uri="{FF2B5EF4-FFF2-40B4-BE49-F238E27FC236}">
-                <a16:creationId xmlns:a16="http://schemas.microsoft.com/office/drawing/2014/main" id="{B8A83BCD-2442-E044-8482-27A788D54C27}"/>
-              </a:ext>
-            </a:extLst>
-          </p:cNvPr>
-          <p:cNvSpPr>
-            <a:spLocks noGrp="1"/>
-          </p:cNvSpPr>
-          <p:nvPr>
-            <p:ph type="title"/>
-          </p:nvPr>
-        </p:nvSpPr>
-        <p:spPr>
-          <a:xfrm>
-            <a:off x="447039" y="421540"/>
-            <a:ext cx="11263697" cy="830997"/>
-          </a:xfrm>
-        </p:spPr>
-        <p:txBody>
-          <a:bodyPr/>
-          <a:lstStyle/>
-          <a:p>
-            <a:r>
-              <a:rPr lang="hr-HR" i="1" dirty="0" err="1"/>
-              <a:t>Longest</a:t>
-            </a:r>
-            <a:r>
-              <a:rPr lang="hr-HR" i="1" dirty="0"/>
-              <a:t> </a:t>
-            </a:r>
-            <a:r>
-              <a:rPr lang="hr-HR" i="1" dirty="0" err="1"/>
-              <a:t>increasing</a:t>
-            </a:r>
-            <a:r>
-              <a:rPr lang="hr-HR" i="1" dirty="0"/>
-              <a:t> </a:t>
-            </a:r>
-            <a:r>
-              <a:rPr lang="hr-HR" i="1" dirty="0" err="1"/>
-              <a:t>subsequence</a:t>
-            </a:r>
-            <a:r>
-              <a:rPr lang="hr-HR" i="1" dirty="0"/>
-              <a:t> problem</a:t>
-            </a:r>
-          </a:p>
-        </p:txBody>
-      </p:sp>
-      <p:pic>
-        <p:nvPicPr>
-          <p:cNvPr id="6" name="Picture 5">
-            <a:extLst>
-              <a:ext uri="{FF2B5EF4-FFF2-40B4-BE49-F238E27FC236}">
-                <a16:creationId xmlns:a16="http://schemas.microsoft.com/office/drawing/2014/main" id="{D73CC83E-AA57-DCFF-3112-55CDA551DC27}"/>
-              </a:ext>
-            </a:extLst>
-          </p:cNvPr>
-          <p:cNvPicPr>
-            <a:picLocks noChangeAspect="1"/>
-          </p:cNvPicPr>
-          <p:nvPr/>
-        </p:nvPicPr>
-        <p:blipFill>
-          <a:blip r:embed="rId2"/>
-          <a:stretch>
-            <a:fillRect/>
-          </a:stretch>
-        </p:blipFill>
-        <p:spPr>
-          <a:xfrm>
-            <a:off x="5689523" y="1635111"/>
-            <a:ext cx="6091133" cy="4500995"/>
-          </a:xfrm>
-          <a:prstGeom prst="rect">
-            <a:avLst/>
-          </a:prstGeom>
-        </p:spPr>
-      </p:pic>
-      <p:pic>
-        <p:nvPicPr>
-          <p:cNvPr id="8" name="Picture 7">
-            <a:extLst>
-              <a:ext uri="{FF2B5EF4-FFF2-40B4-BE49-F238E27FC236}">
-                <a16:creationId xmlns:a16="http://schemas.microsoft.com/office/drawing/2014/main" id="{3828F2D3-2FD5-F880-A1CE-F7C37D7603D4}"/>
-              </a:ext>
-            </a:extLst>
-          </p:cNvPr>
-          <p:cNvPicPr>
-            <a:picLocks noChangeAspect="1"/>
-          </p:cNvPicPr>
-          <p:nvPr/>
-        </p:nvPicPr>
-        <p:blipFill>
-          <a:blip r:embed="rId3"/>
-          <a:stretch>
-            <a:fillRect/>
-          </a:stretch>
-        </p:blipFill>
-        <p:spPr>
-          <a:xfrm>
-            <a:off x="411344" y="5090007"/>
-            <a:ext cx="2522439" cy="1767993"/>
-          </a:xfrm>
-          <a:prstGeom prst="rect">
-            <a:avLst/>
-          </a:prstGeom>
-        </p:spPr>
-      </p:pic>
-    </p:spTree>
-    <p:extLst>
-      <p:ext uri="{BB962C8B-B14F-4D97-AF65-F5344CB8AC3E}">
-        <p14:creationId xmlns:p14="http://schemas.microsoft.com/office/powerpoint/2010/main" val="3559866611"/>
       </p:ext>
     </p:extLst>
   </p:cSld>
@@ -10230,12 +10729,105 @@
           <a:chExt cx="0" cy="0"/>
         </a:xfrm>
       </p:grpSpPr>
+      <p:sp>
+        <p:nvSpPr>
+          <p:cNvPr id="2" name="Text Placeholder 1">
+            <a:extLst>
+              <a:ext uri="{FF2B5EF4-FFF2-40B4-BE49-F238E27FC236}">
+                <a16:creationId xmlns:a16="http://schemas.microsoft.com/office/drawing/2014/main" id="{B5AED86E-C503-498C-B470-14CF2D43577F}"/>
+              </a:ext>
+            </a:extLst>
+          </p:cNvPr>
+          <p:cNvSpPr>
+            <a:spLocks noGrp="1"/>
+          </p:cNvSpPr>
+          <p:nvPr>
+            <p:ph type="body" sz="quarter" idx="12"/>
+          </p:nvPr>
+        </p:nvSpPr>
+        <p:spPr/>
+        <p:txBody>
+          <a:bodyPr/>
+          <a:lstStyle/>
+          <a:p>
+            <a:r>
+              <a:rPr lang="hr-HR" dirty="0"/>
+              <a:t>Poklapanja smo spremili kao: (minimizer, pozicija na fragmentu, pozicija na referentnom genomu)</a:t>
+            </a:r>
+          </a:p>
+          <a:p>
+            <a:r>
+              <a:rPr lang="hr-HR" dirty="0"/>
+              <a:t>Sortiramo ih uzlazno po poziciji na fragmentu</a:t>
+            </a:r>
+          </a:p>
+          <a:p>
+            <a:r>
+              <a:rPr lang="hr-HR" dirty="0"/>
+              <a:t>LIS – najdulji niz u kojem su pozicije na fragmentu i referentnom genomu uvijek rastuće</a:t>
+            </a:r>
+          </a:p>
+        </p:txBody>
+      </p:sp>
+      <p:sp>
+        <p:nvSpPr>
+          <p:cNvPr id="4" name="Title 3">
+            <a:extLst>
+              <a:ext uri="{FF2B5EF4-FFF2-40B4-BE49-F238E27FC236}">
+                <a16:creationId xmlns:a16="http://schemas.microsoft.com/office/drawing/2014/main" id="{B8A83BCD-2442-E044-8482-27A788D54C27}"/>
+              </a:ext>
+            </a:extLst>
+          </p:cNvPr>
+          <p:cNvSpPr>
+            <a:spLocks noGrp="1"/>
+          </p:cNvSpPr>
+          <p:nvPr>
+            <p:ph type="title"/>
+          </p:nvPr>
+        </p:nvSpPr>
+        <p:spPr>
+          <a:xfrm>
+            <a:off x="447039" y="421540"/>
+            <a:ext cx="11263697" cy="830997"/>
+          </a:xfrm>
+        </p:spPr>
+        <p:txBody>
+          <a:bodyPr/>
+          <a:lstStyle/>
+          <a:p>
+            <a:r>
+              <a:rPr lang="hr-HR" i="1" dirty="0" err="1"/>
+              <a:t>Longest</a:t>
+            </a:r>
+            <a:r>
+              <a:rPr lang="hr-HR" i="1" dirty="0"/>
+              <a:t> </a:t>
+            </a:r>
+            <a:r>
+              <a:rPr lang="hr-HR" i="1" dirty="0" err="1"/>
+              <a:t>increasing</a:t>
+            </a:r>
+            <a:r>
+              <a:rPr lang="hr-HR" i="1" dirty="0"/>
+              <a:t> </a:t>
+            </a:r>
+            <a:r>
+              <a:rPr lang="hr-HR" i="1" dirty="0" err="1"/>
+              <a:t>subsequence</a:t>
+            </a:r>
+            <a:r>
+              <a:rPr lang="hr-HR" i="1" dirty="0"/>
+              <a:t> problem</a:t>
+            </a:r>
+          </a:p>
+        </p:txBody>
+      </p:sp>
       <p:pic>
         <p:nvPicPr>
-          <p:cNvPr id="11" name="Picture 10">
-            <a:extLst>
-              <a:ext uri="{FF2B5EF4-FFF2-40B4-BE49-F238E27FC236}">
-                <a16:creationId xmlns:a16="http://schemas.microsoft.com/office/drawing/2014/main" id="{D1488EA8-BAAD-E55E-E8A3-85730B2D0F0E}"/>
+          <p:cNvPr id="6" name="Picture 5">
+            <a:extLst>
+              <a:ext uri="{FF2B5EF4-FFF2-40B4-BE49-F238E27FC236}">
+                <a16:creationId xmlns:a16="http://schemas.microsoft.com/office/drawing/2014/main" id="{D73CC83E-AA57-DCFF-3112-55CDA551DC27}"/>
               </a:ext>
             </a:extLst>
           </p:cNvPr>
@@ -10252,136 +10844,20 @@
         </p:blipFill>
         <p:spPr>
           <a:xfrm>
-            <a:off x="660400" y="4042296"/>
-            <a:ext cx="2758679" cy="2613887"/>
+            <a:off x="5689523" y="1635111"/>
+            <a:ext cx="6091133" cy="4500995"/>
           </a:xfrm>
           <a:prstGeom prst="rect">
             <a:avLst/>
           </a:prstGeom>
         </p:spPr>
       </p:pic>
-      <p:sp>
-        <p:nvSpPr>
-          <p:cNvPr id="3" name="Text Placeholder 2">
-            <a:extLst>
-              <a:ext uri="{FF2B5EF4-FFF2-40B4-BE49-F238E27FC236}">
-                <a16:creationId xmlns:a16="http://schemas.microsoft.com/office/drawing/2014/main" id="{673EB00D-31D0-BBEA-6A9D-51290F50116D}"/>
-              </a:ext>
-            </a:extLst>
-          </p:cNvPr>
-          <p:cNvSpPr>
-            <a:spLocks noGrp="1"/>
-          </p:cNvSpPr>
-          <p:nvPr>
-            <p:ph type="body" sz="quarter" idx="13"/>
-          </p:nvPr>
-        </p:nvSpPr>
-        <p:spPr>
-          <a:xfrm>
-            <a:off x="660400" y="1767840"/>
-            <a:ext cx="10190480" cy="1813560"/>
-          </a:xfrm>
-        </p:spPr>
-        <p:txBody>
-          <a:bodyPr/>
-          <a:lstStyle/>
-          <a:p>
-            <a:r>
-              <a:rPr lang="hr-HR" b="1" dirty="0"/>
-              <a:t>Windows</a:t>
-            </a:r>
-          </a:p>
-          <a:p>
-            <a:r>
-              <a:rPr lang="hr-HR" dirty="0"/>
-              <a:t>.\build\Debug\allignment.exe -a local -m 2 -n -1 -g 2 -k 3 -w 2 -c ref.fasta seq.fasta.txt</a:t>
-            </a:r>
-          </a:p>
-          <a:p>
-            <a:r>
-              <a:rPr lang="hr-HR" b="1" dirty="0"/>
-              <a:t>Linux</a:t>
-            </a:r>
-          </a:p>
-          <a:p>
-            <a:r>
-              <a:rPr lang="hr-HR" dirty="0"/>
-              <a:t>.\build\alignment -a local -m 2 -n -1 -g 2 -k 3 -w 2 -c ref.fasta seq.fasta.txt</a:t>
-            </a:r>
-          </a:p>
-          <a:p>
-            <a:pPr marL="0" indent="0">
-              <a:buNone/>
-            </a:pPr>
-            <a:endParaRPr lang="hr-HR" b="1" dirty="0"/>
-          </a:p>
-          <a:p>
-            <a:pPr marL="0" indent="0">
-              <a:buNone/>
-            </a:pPr>
-            <a:endParaRPr lang="hr-HR" b="1" dirty="0"/>
-          </a:p>
-        </p:txBody>
-      </p:sp>
       <p:pic>
         <p:nvPicPr>
-          <p:cNvPr id="9" name="Picture Placeholder 8">
-            <a:extLst>
-              <a:ext uri="{FF2B5EF4-FFF2-40B4-BE49-F238E27FC236}">
-                <a16:creationId xmlns:a16="http://schemas.microsoft.com/office/drawing/2014/main" id="{147EBAD1-50B3-843F-5F65-D4AD758B64C1}"/>
-              </a:ext>
-            </a:extLst>
-          </p:cNvPr>
-          <p:cNvPicPr>
-            <a:picLocks noGrp="1" noChangeAspect="1"/>
-          </p:cNvPicPr>
-          <p:nvPr>
-            <p:ph type="pic" sz="quarter" idx="17"/>
-          </p:nvPr>
-        </p:nvPicPr>
-        <p:blipFill>
-          <a:blip r:embed="rId3"/>
-          <a:srcRect t="2724" b="2724"/>
-          <a:stretch>
-            <a:fillRect/>
-          </a:stretch>
-        </p:blipFill>
-        <p:spPr/>
-      </p:pic>
-      <p:sp>
-        <p:nvSpPr>
-          <p:cNvPr id="7" name="Title 6">
-            <a:extLst>
-              <a:ext uri="{FF2B5EF4-FFF2-40B4-BE49-F238E27FC236}">
-                <a16:creationId xmlns:a16="http://schemas.microsoft.com/office/drawing/2014/main" id="{328CCABB-ADAB-EABD-92EE-FCA1B45D73C0}"/>
-              </a:ext>
-            </a:extLst>
-          </p:cNvPr>
-          <p:cNvSpPr>
-            <a:spLocks noGrp="1"/>
-          </p:cNvSpPr>
-          <p:nvPr>
-            <p:ph type="title"/>
-          </p:nvPr>
-        </p:nvSpPr>
-        <p:spPr/>
-        <p:txBody>
-          <a:bodyPr/>
-          <a:lstStyle/>
-          <a:p>
-            <a:r>
-              <a:rPr lang="hr-HR" dirty="0"/>
-              <a:t>Pokretanje</a:t>
-            </a:r>
-          </a:p>
-        </p:txBody>
-      </p:sp>
-      <p:pic>
-        <p:nvPicPr>
-          <p:cNvPr id="13" name="Picture 12">
-            <a:extLst>
-              <a:ext uri="{FF2B5EF4-FFF2-40B4-BE49-F238E27FC236}">
-                <a16:creationId xmlns:a16="http://schemas.microsoft.com/office/drawing/2014/main" id="{7AC26760-A989-0765-4DF6-AD52C372387C}"/>
+          <p:cNvPr id="8" name="Picture 7">
+            <a:extLst>
+              <a:ext uri="{FF2B5EF4-FFF2-40B4-BE49-F238E27FC236}">
+                <a16:creationId xmlns:a16="http://schemas.microsoft.com/office/drawing/2014/main" id="{3828F2D3-2FD5-F880-A1CE-F7C37D7603D4}"/>
               </a:ext>
             </a:extLst>
           </p:cNvPr>
@@ -10391,15 +10867,15 @@
           <p:nvPr/>
         </p:nvPicPr>
         <p:blipFill>
-          <a:blip r:embed="rId4"/>
+          <a:blip r:embed="rId3"/>
           <a:stretch>
             <a:fillRect/>
           </a:stretch>
         </p:blipFill>
         <p:spPr>
           <a:xfrm>
-            <a:off x="660400" y="3581400"/>
-            <a:ext cx="5425910" cy="2872989"/>
+            <a:off x="411344" y="5090007"/>
+            <a:ext cx="2522439" cy="1767993"/>
           </a:xfrm>
           <a:prstGeom prst="rect">
             <a:avLst/>
@@ -10409,7 +10885,7 @@
     </p:spTree>
     <p:extLst>
       <p:ext uri="{BB962C8B-B14F-4D97-AF65-F5344CB8AC3E}">
-        <p14:creationId xmlns:p14="http://schemas.microsoft.com/office/powerpoint/2010/main" val="955722466"/>
+        <p14:creationId xmlns:p14="http://schemas.microsoft.com/office/powerpoint/2010/main" val="3559866611"/>
       </p:ext>
     </p:extLst>
   </p:cSld>
@@ -10436,6 +10912,228 @@
           <a:chExt cx="0" cy="0"/>
         </a:xfrm>
       </p:grpSpPr>
+      <p:pic>
+        <p:nvPicPr>
+          <p:cNvPr id="11" name="Picture 10">
+            <a:extLst>
+              <a:ext uri="{FF2B5EF4-FFF2-40B4-BE49-F238E27FC236}">
+                <a16:creationId xmlns:a16="http://schemas.microsoft.com/office/drawing/2014/main" id="{D1488EA8-BAAD-E55E-E8A3-85730B2D0F0E}"/>
+              </a:ext>
+            </a:extLst>
+          </p:cNvPr>
+          <p:cNvPicPr>
+            <a:picLocks noChangeAspect="1"/>
+          </p:cNvPicPr>
+          <p:nvPr/>
+        </p:nvPicPr>
+        <p:blipFill>
+          <a:blip r:embed="rId2"/>
+          <a:stretch>
+            <a:fillRect/>
+          </a:stretch>
+        </p:blipFill>
+        <p:spPr>
+          <a:xfrm>
+            <a:off x="660400" y="4042296"/>
+            <a:ext cx="2758679" cy="2613887"/>
+          </a:xfrm>
+          <a:prstGeom prst="rect">
+            <a:avLst/>
+          </a:prstGeom>
+        </p:spPr>
+      </p:pic>
+      <p:sp>
+        <p:nvSpPr>
+          <p:cNvPr id="3" name="Text Placeholder 2">
+            <a:extLst>
+              <a:ext uri="{FF2B5EF4-FFF2-40B4-BE49-F238E27FC236}">
+                <a16:creationId xmlns:a16="http://schemas.microsoft.com/office/drawing/2014/main" id="{673EB00D-31D0-BBEA-6A9D-51290F50116D}"/>
+              </a:ext>
+            </a:extLst>
+          </p:cNvPr>
+          <p:cNvSpPr>
+            <a:spLocks noGrp="1"/>
+          </p:cNvSpPr>
+          <p:nvPr>
+            <p:ph type="body" sz="quarter" idx="13"/>
+          </p:nvPr>
+        </p:nvSpPr>
+        <p:spPr>
+          <a:xfrm>
+            <a:off x="660400" y="1767840"/>
+            <a:ext cx="10190480" cy="1813560"/>
+          </a:xfrm>
+        </p:spPr>
+        <p:txBody>
+          <a:bodyPr/>
+          <a:lstStyle/>
+          <a:p>
+            <a:r>
+              <a:rPr lang="hr-HR" b="1" dirty="0"/>
+              <a:t>Windows</a:t>
+            </a:r>
+          </a:p>
+          <a:p>
+            <a:r>
+              <a:rPr lang="hr-HR" dirty="0"/>
+              <a:t>.\build\Debug\allignment.exe -a local -m 2 -n -1 -g 2 -k 3 -w 2 -c ref.fasta seq.fasta.txt</a:t>
+            </a:r>
+          </a:p>
+          <a:p>
+            <a:r>
+              <a:rPr lang="hr-HR" b="1" dirty="0"/>
+              <a:t>Linux</a:t>
+            </a:r>
+          </a:p>
+          <a:p>
+            <a:r>
+              <a:rPr lang="hr-HR" dirty="0"/>
+              <a:t>./</a:t>
+            </a:r>
+            <a:r>
+              <a:rPr lang="hr-HR" dirty="0" err="1"/>
+              <a:t>build</a:t>
+            </a:r>
+            <a:r>
+              <a:rPr lang="hr-HR" dirty="0"/>
+              <a:t>/</a:t>
+            </a:r>
+            <a:r>
+              <a:rPr lang="hr-HR" dirty="0" err="1"/>
+              <a:t>alignment</a:t>
+            </a:r>
+            <a:r>
+              <a:rPr lang="hr-HR" dirty="0"/>
+              <a:t> -a local -m 2 -n -1 -g 2 -k 3 -w 2 -c ref.fasta seq.fasta.txt</a:t>
+            </a:r>
+          </a:p>
+          <a:p>
+            <a:pPr marL="0" indent="0">
+              <a:buNone/>
+            </a:pPr>
+            <a:endParaRPr lang="hr-HR" b="1" dirty="0"/>
+          </a:p>
+          <a:p>
+            <a:pPr marL="0" indent="0">
+              <a:buNone/>
+            </a:pPr>
+            <a:endParaRPr lang="hr-HR" b="1" dirty="0"/>
+          </a:p>
+        </p:txBody>
+      </p:sp>
+      <p:pic>
+        <p:nvPicPr>
+          <p:cNvPr id="9" name="Picture Placeholder 8">
+            <a:extLst>
+              <a:ext uri="{FF2B5EF4-FFF2-40B4-BE49-F238E27FC236}">
+                <a16:creationId xmlns:a16="http://schemas.microsoft.com/office/drawing/2014/main" id="{147EBAD1-50B3-843F-5F65-D4AD758B64C1}"/>
+              </a:ext>
+            </a:extLst>
+          </p:cNvPr>
+          <p:cNvPicPr>
+            <a:picLocks noGrp="1" noChangeAspect="1"/>
+          </p:cNvPicPr>
+          <p:nvPr>
+            <p:ph type="pic" sz="quarter" idx="17"/>
+          </p:nvPr>
+        </p:nvPicPr>
+        <p:blipFill>
+          <a:blip r:embed="rId3"/>
+          <a:srcRect t="2724" b="2724"/>
+          <a:stretch>
+            <a:fillRect/>
+          </a:stretch>
+        </p:blipFill>
+        <p:spPr/>
+      </p:pic>
+      <p:sp>
+        <p:nvSpPr>
+          <p:cNvPr id="7" name="Title 6">
+            <a:extLst>
+              <a:ext uri="{FF2B5EF4-FFF2-40B4-BE49-F238E27FC236}">
+                <a16:creationId xmlns:a16="http://schemas.microsoft.com/office/drawing/2014/main" id="{328CCABB-ADAB-EABD-92EE-FCA1B45D73C0}"/>
+              </a:ext>
+            </a:extLst>
+          </p:cNvPr>
+          <p:cNvSpPr>
+            <a:spLocks noGrp="1"/>
+          </p:cNvSpPr>
+          <p:nvPr>
+            <p:ph type="title"/>
+          </p:nvPr>
+        </p:nvSpPr>
+        <p:spPr/>
+        <p:txBody>
+          <a:bodyPr/>
+          <a:lstStyle/>
+          <a:p>
+            <a:r>
+              <a:rPr lang="hr-HR" dirty="0"/>
+              <a:t>Pokretanje</a:t>
+            </a:r>
+          </a:p>
+        </p:txBody>
+      </p:sp>
+      <p:pic>
+        <p:nvPicPr>
+          <p:cNvPr id="13" name="Picture 12">
+            <a:extLst>
+              <a:ext uri="{FF2B5EF4-FFF2-40B4-BE49-F238E27FC236}">
+                <a16:creationId xmlns:a16="http://schemas.microsoft.com/office/drawing/2014/main" id="{7AC26760-A989-0765-4DF6-AD52C372387C}"/>
+              </a:ext>
+            </a:extLst>
+          </p:cNvPr>
+          <p:cNvPicPr>
+            <a:picLocks noChangeAspect="1"/>
+          </p:cNvPicPr>
+          <p:nvPr/>
+        </p:nvPicPr>
+        <p:blipFill>
+          <a:blip r:embed="rId4"/>
+          <a:stretch>
+            <a:fillRect/>
+          </a:stretch>
+        </p:blipFill>
+        <p:spPr>
+          <a:xfrm>
+            <a:off x="660400" y="3581400"/>
+            <a:ext cx="5425910" cy="2872989"/>
+          </a:xfrm>
+          <a:prstGeom prst="rect">
+            <a:avLst/>
+          </a:prstGeom>
+        </p:spPr>
+      </p:pic>
+    </p:spTree>
+    <p:extLst>
+      <p:ext uri="{BB962C8B-B14F-4D97-AF65-F5344CB8AC3E}">
+        <p14:creationId xmlns:p14="http://schemas.microsoft.com/office/powerpoint/2010/main" val="955722466"/>
+      </p:ext>
+    </p:extLst>
+  </p:cSld>
+  <p:clrMapOvr>
+    <a:masterClrMapping/>
+  </p:clrMapOvr>
+</p:sld>
+</file>
+
+<file path=ppt/slides/slide17.xml><?xml version="1.0" encoding="utf-8"?>
+<p:sld xmlns:a="http://schemas.openxmlformats.org/drawingml/2006/main" xmlns:r="http://schemas.openxmlformats.org/officeDocument/2006/relationships" xmlns:p="http://schemas.openxmlformats.org/presentationml/2006/main">
+  <p:cSld>
+    <p:spTree>
+      <p:nvGrpSpPr>
+        <p:cNvPr id="1" name=""/>
+        <p:cNvGrpSpPr/>
+        <p:nvPr/>
+      </p:nvGrpSpPr>
+      <p:grpSpPr>
+        <a:xfrm>
+          <a:off x="0" y="0"/>
+          <a:ext cx="0" cy="0"/>
+          <a:chOff x="0" y="0"/>
+          <a:chExt cx="0" cy="0"/>
+        </a:xfrm>
+      </p:grpSpPr>
       <p:sp>
         <p:nvSpPr>
           <p:cNvPr id="3" name="Text Placeholder 2">
@@ -10779,7 +11477,7 @@
 </p:sld>
 </file>
 
-<file path=ppt/slides/slide17.xml><?xml version="1.0" encoding="utf-8"?>
+<file path=ppt/slides/slide18.xml><?xml version="1.0" encoding="utf-8"?>
 <p:sld xmlns:a="http://schemas.openxmlformats.org/drawingml/2006/main" xmlns:r="http://schemas.openxmlformats.org/officeDocument/2006/relationships" xmlns:p="http://schemas.openxmlformats.org/presentationml/2006/main">
   <p:cSld>
     <p:spTree>
@@ -11080,7 +11778,7 @@
 </p:sld>
 </file>
 
-<file path=ppt/slides/slide18.xml><?xml version="1.0" encoding="utf-8"?>
+<file path=ppt/slides/slide19.xml><?xml version="1.0" encoding="utf-8"?>
 <p:sld xmlns:a="http://schemas.openxmlformats.org/drawingml/2006/main" xmlns:r="http://schemas.openxmlformats.org/officeDocument/2006/relationships" xmlns:p="http://schemas.openxmlformats.org/presentationml/2006/main">
   <p:cSld>
     <p:bg>
@@ -11339,7 +12037,903 @@
 </p:sld>
 </file>
 
-<file path=ppt/slides/slide19.xml><?xml version="1.0" encoding="utf-8"?>
+<file path=ppt/slides/slide2.xml><?xml version="1.0" encoding="utf-8"?>
+<p:sld xmlns:a="http://schemas.openxmlformats.org/drawingml/2006/main" xmlns:r="http://schemas.openxmlformats.org/officeDocument/2006/relationships" xmlns:p="http://schemas.openxmlformats.org/presentationml/2006/main">
+  <p:cSld>
+    <p:bg>
+      <p:bgPr>
+        <a:solidFill>
+          <a:schemeClr val="bg1">
+            <a:lumMod val="95000"/>
+          </a:schemeClr>
+        </a:solidFill>
+        <a:effectLst/>
+      </p:bgPr>
+    </p:bg>
+    <p:spTree>
+      <p:nvGrpSpPr>
+        <p:cNvPr id="1" name=""/>
+        <p:cNvGrpSpPr/>
+        <p:nvPr/>
+      </p:nvGrpSpPr>
+      <p:grpSpPr>
+        <a:xfrm>
+          <a:off x="0" y="0"/>
+          <a:ext cx="0" cy="0"/>
+          <a:chOff x="0" y="0"/>
+          <a:chExt cx="0" cy="0"/>
+        </a:xfrm>
+      </p:grpSpPr>
+      <p:sp>
+        <p:nvSpPr>
+          <p:cNvPr id="2" name="Title 1">
+            <a:extLst>
+              <a:ext uri="{FF2B5EF4-FFF2-40B4-BE49-F238E27FC236}">
+                <a16:creationId xmlns:a16="http://schemas.microsoft.com/office/drawing/2014/main" id="{1B67F211-ED25-4BED-862A-17F84B323349}"/>
+              </a:ext>
+            </a:extLst>
+          </p:cNvPr>
+          <p:cNvSpPr>
+            <a:spLocks noGrp="1"/>
+          </p:cNvSpPr>
+          <p:nvPr>
+            <p:ph type="title"/>
+          </p:nvPr>
+        </p:nvSpPr>
+        <p:spPr/>
+        <p:txBody>
+          <a:bodyPr/>
+          <a:lstStyle/>
+          <a:p>
+            <a:r>
+              <a:rPr lang="hr-HR" dirty="0"/>
+              <a:t>Problem koji rješavamo ovim radom:</a:t>
+            </a:r>
+            <a:br>
+              <a:rPr lang="en-US" dirty="0"/>
+            </a:br>
+            <a:endParaRPr lang="en-US" dirty="0"/>
+          </a:p>
+        </p:txBody>
+      </p:sp>
+      <p:sp>
+        <p:nvSpPr>
+          <p:cNvPr id="18" name="Hexagon 17">
+            <a:extLst>
+              <a:ext uri="{FF2B5EF4-FFF2-40B4-BE49-F238E27FC236}">
+                <a16:creationId xmlns:a16="http://schemas.microsoft.com/office/drawing/2014/main" id="{F3A0DAD0-3E39-4BBF-88E4-5C3C306DCCBB}"/>
+              </a:ext>
+              <a:ext uri="{C183D7F6-B498-43B3-948B-1728B52AA6E4}">
+                <adec:decorative xmlns:adec="http://schemas.microsoft.com/office/drawing/2017/decorative" val="1"/>
+              </a:ext>
+            </a:extLst>
+          </p:cNvPr>
+          <p:cNvSpPr/>
+          <p:nvPr/>
+        </p:nvSpPr>
+        <p:spPr>
+          <a:xfrm>
+            <a:off x="609018" y="2105016"/>
+            <a:ext cx="914400" cy="764219"/>
+          </a:xfrm>
+          <a:prstGeom prst="hexagon">
+            <a:avLst/>
+          </a:prstGeom>
+          <a:noFill/>
+          <a:ln>
+            <a:solidFill>
+              <a:schemeClr val="bg1">
+                <a:lumMod val="75000"/>
+              </a:schemeClr>
+            </a:solidFill>
+          </a:ln>
+        </p:spPr>
+        <p:style>
+          <a:lnRef idx="2">
+            <a:schemeClr val="accent1">
+              <a:shade val="50000"/>
+            </a:schemeClr>
+          </a:lnRef>
+          <a:fillRef idx="1">
+            <a:schemeClr val="accent1"/>
+          </a:fillRef>
+          <a:effectRef idx="0">
+            <a:schemeClr val="accent1"/>
+          </a:effectRef>
+          <a:fontRef idx="minor">
+            <a:schemeClr val="lt1"/>
+          </a:fontRef>
+        </p:style>
+        <p:txBody>
+          <a:bodyPr rtlCol="0" anchor="ctr"/>
+          <a:lstStyle/>
+          <a:p>
+            <a:pPr algn="ctr"/>
+            <a:endParaRPr lang="en-US" dirty="0"/>
+          </a:p>
+        </p:txBody>
+      </p:sp>
+      <p:sp>
+        <p:nvSpPr>
+          <p:cNvPr id="11" name="TextBox 10">
+            <a:extLst>
+              <a:ext uri="{FF2B5EF4-FFF2-40B4-BE49-F238E27FC236}">
+                <a16:creationId xmlns:a16="http://schemas.microsoft.com/office/drawing/2014/main" id="{0A302878-D117-49D8-8CD3-093E34DF215B}"/>
+              </a:ext>
+            </a:extLst>
+          </p:cNvPr>
+          <p:cNvSpPr txBox="1"/>
+          <p:nvPr/>
+        </p:nvSpPr>
+        <p:spPr>
+          <a:xfrm>
+            <a:off x="1748530" y="2125176"/>
+            <a:ext cx="10179309" cy="691471"/>
+          </a:xfrm>
+          <a:prstGeom prst="rect">
+            <a:avLst/>
+          </a:prstGeom>
+          <a:noFill/>
+        </p:spPr>
+        <p:txBody>
+          <a:bodyPr wrap="square">
+            <a:spAutoFit/>
+          </a:bodyPr>
+          <a:lstStyle/>
+          <a:p>
+            <a:pPr marL="0" marR="0" lvl="0" indent="0" algn="l" defTabSz="914400" rtl="0" eaLnBrk="1" fontAlgn="auto" latinLnBrk="0" hangingPunct="1">
+              <a:lnSpc>
+                <a:spcPct val="90000"/>
+              </a:lnSpc>
+              <a:spcBef>
+                <a:spcPts val="1000"/>
+              </a:spcBef>
+              <a:spcAft>
+                <a:spcPts val="0"/>
+              </a:spcAft>
+              <a:buClrTx/>
+              <a:buSzTx/>
+              <a:buFont typeface="Arial" panose="020B0604020202020204" pitchFamily="34" charset="0"/>
+              <a:buNone/>
+              <a:tabLst/>
+              <a:defRPr/>
+            </a:pPr>
+            <a:r>
+              <a:rPr kumimoji="0" lang="hr-HR" b="1" i="0" u="none" strike="noStrike" kern="1200" cap="none" spc="0" normalizeH="0" baseline="0" noProof="0" dirty="0">
+                <a:ln>
+                  <a:noFill/>
+                </a:ln>
+                <a:solidFill>
+                  <a:schemeClr val="accent4"/>
+                </a:solidFill>
+                <a:effectLst/>
+                <a:uLnTx/>
+                <a:uFillTx/>
+                <a:latin typeface="+mj-lt"/>
+                <a:ea typeface="+mn-ea"/>
+                <a:cs typeface="Biome Light" panose="020B0303030204020804" pitchFamily="34" charset="0"/>
+              </a:rPr>
+              <a:t>Uređaji za </a:t>
+            </a:r>
+            <a:r>
+              <a:rPr kumimoji="0" lang="hr-HR" b="1" i="0" u="none" strike="noStrike" kern="1200" cap="none" spc="0" normalizeH="0" baseline="0" noProof="0" dirty="0" err="1">
+                <a:ln>
+                  <a:noFill/>
+                </a:ln>
+                <a:solidFill>
+                  <a:schemeClr val="accent4"/>
+                </a:solidFill>
+                <a:effectLst/>
+                <a:uLnTx/>
+                <a:uFillTx/>
+                <a:latin typeface="+mj-lt"/>
+                <a:ea typeface="+mn-ea"/>
+                <a:cs typeface="Biome Light" panose="020B0303030204020804" pitchFamily="34" charset="0"/>
+              </a:rPr>
+              <a:t>sekvenciranje</a:t>
+            </a:r>
+            <a:r>
+              <a:rPr kumimoji="0" lang="hr-HR" b="1" i="0" u="none" strike="noStrike" kern="1200" cap="none" spc="0" normalizeH="0" baseline="0" noProof="0" dirty="0">
+                <a:ln>
+                  <a:noFill/>
+                </a:ln>
+                <a:solidFill>
+                  <a:schemeClr val="accent4"/>
+                </a:solidFill>
+                <a:effectLst/>
+                <a:uLnTx/>
+                <a:uFillTx/>
+                <a:latin typeface="+mj-lt"/>
+                <a:ea typeface="+mn-ea"/>
+                <a:cs typeface="Biome Light" panose="020B0303030204020804" pitchFamily="34" charset="0"/>
+              </a:rPr>
+              <a:t> i dalje ne mogu očitati cijelu sekvencu</a:t>
+            </a:r>
+          </a:p>
+          <a:p>
+            <a:pPr marL="0" marR="0" lvl="0" indent="0" algn="l" defTabSz="914400" rtl="0" eaLnBrk="1" fontAlgn="auto" latinLnBrk="0" hangingPunct="1">
+              <a:lnSpc>
+                <a:spcPct val="90000"/>
+              </a:lnSpc>
+              <a:spcBef>
+                <a:spcPts val="1000"/>
+              </a:spcBef>
+              <a:spcAft>
+                <a:spcPts val="0"/>
+              </a:spcAft>
+              <a:buClrTx/>
+              <a:buSzTx/>
+              <a:buFont typeface="Arial" panose="020B0604020202020204" pitchFamily="34" charset="0"/>
+              <a:buNone/>
+              <a:tabLst/>
+              <a:defRPr/>
+            </a:pPr>
+            <a:r>
+              <a:rPr lang="hr-HR" sz="1600" dirty="0">
+                <a:solidFill>
+                  <a:srgbClr val="1F2328"/>
+                </a:solidFill>
+              </a:rPr>
+              <a:t>Dijelovi koji su očitani imaju određeni stupanj pogreške</a:t>
+            </a:r>
+            <a:endParaRPr lang="hr-HR" sz="1600" b="0" i="0" dirty="0">
+              <a:solidFill>
+                <a:srgbClr val="1F2328"/>
+              </a:solidFill>
+              <a:effectLst/>
+            </a:endParaRPr>
+          </a:p>
+        </p:txBody>
+      </p:sp>
+      <p:sp>
+        <p:nvSpPr>
+          <p:cNvPr id="19" name="Hexagon 18">
+            <a:extLst>
+              <a:ext uri="{FF2B5EF4-FFF2-40B4-BE49-F238E27FC236}">
+                <a16:creationId xmlns:a16="http://schemas.microsoft.com/office/drawing/2014/main" id="{A6510D74-8CDF-4500-996B-40C07942D72B}"/>
+              </a:ext>
+              <a:ext uri="{C183D7F6-B498-43B3-948B-1728B52AA6E4}">
+                <adec:decorative xmlns:adec="http://schemas.microsoft.com/office/drawing/2017/decorative" val="1"/>
+              </a:ext>
+            </a:extLst>
+          </p:cNvPr>
+          <p:cNvSpPr/>
+          <p:nvPr/>
+        </p:nvSpPr>
+        <p:spPr>
+          <a:xfrm>
+            <a:off x="609017" y="3441667"/>
+            <a:ext cx="914400" cy="764219"/>
+          </a:xfrm>
+          <a:prstGeom prst="hexagon">
+            <a:avLst/>
+          </a:prstGeom>
+          <a:noFill/>
+          <a:ln>
+            <a:solidFill>
+              <a:schemeClr val="bg1">
+                <a:lumMod val="75000"/>
+              </a:schemeClr>
+            </a:solidFill>
+          </a:ln>
+        </p:spPr>
+        <p:style>
+          <a:lnRef idx="2">
+            <a:schemeClr val="accent1">
+              <a:shade val="50000"/>
+            </a:schemeClr>
+          </a:lnRef>
+          <a:fillRef idx="1">
+            <a:schemeClr val="accent1"/>
+          </a:fillRef>
+          <a:effectRef idx="0">
+            <a:schemeClr val="accent1"/>
+          </a:effectRef>
+          <a:fontRef idx="minor">
+            <a:schemeClr val="lt1"/>
+          </a:fontRef>
+        </p:style>
+        <p:txBody>
+          <a:bodyPr rtlCol="0" anchor="ctr"/>
+          <a:lstStyle/>
+          <a:p>
+            <a:pPr algn="ctr"/>
+            <a:endParaRPr lang="en-US" dirty="0"/>
+          </a:p>
+        </p:txBody>
+      </p:sp>
+      <p:sp>
+        <p:nvSpPr>
+          <p:cNvPr id="13" name="TextBox 12">
+            <a:extLst>
+              <a:ext uri="{FF2B5EF4-FFF2-40B4-BE49-F238E27FC236}">
+                <a16:creationId xmlns:a16="http://schemas.microsoft.com/office/drawing/2014/main" id="{E0A3F38B-310F-454B-9EF6-EF4B5FD017B0}"/>
+              </a:ext>
+            </a:extLst>
+          </p:cNvPr>
+          <p:cNvSpPr txBox="1"/>
+          <p:nvPr/>
+        </p:nvSpPr>
+        <p:spPr>
+          <a:xfrm>
+            <a:off x="1748530" y="3374261"/>
+            <a:ext cx="9649956" cy="1041311"/>
+          </a:xfrm>
+          <a:prstGeom prst="rect">
+            <a:avLst/>
+          </a:prstGeom>
+          <a:noFill/>
+        </p:spPr>
+        <p:txBody>
+          <a:bodyPr wrap="square">
+            <a:spAutoFit/>
+          </a:bodyPr>
+          <a:lstStyle/>
+          <a:p>
+            <a:pPr marL="0" marR="0" lvl="0" indent="0" algn="l" defTabSz="914400" rtl="0" eaLnBrk="1" fontAlgn="auto" latinLnBrk="0" hangingPunct="1">
+              <a:lnSpc>
+                <a:spcPct val="90000"/>
+              </a:lnSpc>
+              <a:spcBef>
+                <a:spcPts val="1000"/>
+              </a:spcBef>
+              <a:spcAft>
+                <a:spcPts val="0"/>
+              </a:spcAft>
+              <a:buClrTx/>
+              <a:buSzTx/>
+              <a:buFont typeface="Arial" panose="020B0604020202020204" pitchFamily="34" charset="0"/>
+              <a:buNone/>
+              <a:tabLst/>
+              <a:defRPr/>
+            </a:pPr>
+            <a:r>
+              <a:rPr kumimoji="0" lang="en-US" b="1" i="0" u="none" strike="noStrike" kern="1200" cap="none" spc="0" normalizeH="0" baseline="0" noProof="0" dirty="0">
+                <a:ln>
+                  <a:noFill/>
+                </a:ln>
+                <a:solidFill>
+                  <a:schemeClr val="accent4"/>
+                </a:solidFill>
+                <a:effectLst/>
+                <a:uLnTx/>
+                <a:uFillTx/>
+                <a:latin typeface="+mj-lt"/>
+                <a:ea typeface="+mn-ea"/>
+                <a:cs typeface="Biome Light" panose="020B0303030204020804" pitchFamily="34" charset="0"/>
+              </a:rPr>
+              <a:t>O</a:t>
+            </a:r>
+            <a:r>
+              <a:rPr kumimoji="0" lang="hr-HR" b="1" i="0" u="none" strike="noStrike" kern="1200" cap="none" spc="0" normalizeH="0" baseline="0" noProof="0" dirty="0" err="1">
+                <a:ln>
+                  <a:noFill/>
+                </a:ln>
+                <a:solidFill>
+                  <a:schemeClr val="accent4"/>
+                </a:solidFill>
+                <a:effectLst/>
+                <a:uLnTx/>
+                <a:uFillTx/>
+                <a:latin typeface="+mj-lt"/>
+                <a:ea typeface="+mn-ea"/>
+                <a:cs typeface="Biome Light" panose="020B0303030204020804" pitchFamily="34" charset="0"/>
+              </a:rPr>
+              <a:t>xford</a:t>
+            </a:r>
+            <a:r>
+              <a:rPr kumimoji="0" lang="hr-HR" b="1" i="0" u="none" strike="noStrike" kern="1200" cap="none" spc="0" normalizeH="0" baseline="0" noProof="0" dirty="0">
+                <a:ln>
+                  <a:noFill/>
+                </a:ln>
+                <a:solidFill>
+                  <a:schemeClr val="accent4"/>
+                </a:solidFill>
+                <a:effectLst/>
+                <a:uLnTx/>
+                <a:uFillTx/>
+                <a:latin typeface="+mj-lt"/>
+                <a:ea typeface="+mn-ea"/>
+                <a:cs typeface="Biome Light" panose="020B0303030204020804" pitchFamily="34" charset="0"/>
+              </a:rPr>
+              <a:t> </a:t>
+            </a:r>
+            <a:r>
+              <a:rPr kumimoji="0" lang="hr-HR" b="1" i="0" u="none" strike="noStrike" kern="1200" cap="none" spc="0" normalizeH="0" baseline="0" noProof="0" dirty="0" err="1">
+                <a:ln>
+                  <a:noFill/>
+                </a:ln>
+                <a:solidFill>
+                  <a:schemeClr val="accent4"/>
+                </a:solidFill>
+                <a:effectLst/>
+                <a:uLnTx/>
+                <a:uFillTx/>
+                <a:latin typeface="+mj-lt"/>
+                <a:ea typeface="+mn-ea"/>
+                <a:cs typeface="Biome Light" panose="020B0303030204020804" pitchFamily="34" charset="0"/>
+              </a:rPr>
+              <a:t>Nanopore</a:t>
+            </a:r>
+            <a:r>
+              <a:rPr kumimoji="0" lang="hr-HR" b="1" i="0" u="none" strike="noStrike" kern="1200" cap="none" spc="0" normalizeH="0" baseline="0" noProof="0" dirty="0">
+                <a:ln>
+                  <a:noFill/>
+                </a:ln>
+                <a:solidFill>
+                  <a:schemeClr val="accent4"/>
+                </a:solidFill>
+                <a:effectLst/>
+                <a:uLnTx/>
+                <a:uFillTx/>
+                <a:latin typeface="+mj-lt"/>
+                <a:ea typeface="+mn-ea"/>
+                <a:cs typeface="Biome Light" panose="020B0303030204020804" pitchFamily="34" charset="0"/>
+              </a:rPr>
+              <a:t> </a:t>
+            </a:r>
+            <a:r>
+              <a:rPr kumimoji="0" lang="hr-HR" b="1" i="0" u="none" strike="noStrike" kern="1200" cap="none" spc="0" normalizeH="0" baseline="0" noProof="0" dirty="0" err="1">
+                <a:ln>
+                  <a:noFill/>
+                </a:ln>
+                <a:solidFill>
+                  <a:schemeClr val="accent4"/>
+                </a:solidFill>
+                <a:effectLst/>
+                <a:uLnTx/>
+                <a:uFillTx/>
+                <a:latin typeface="+mj-lt"/>
+                <a:ea typeface="+mn-ea"/>
+                <a:cs typeface="Biome Light" panose="020B0303030204020804" pitchFamily="34" charset="0"/>
+              </a:rPr>
+              <a:t>Tehnologies</a:t>
+            </a:r>
+            <a:endParaRPr kumimoji="0" lang="hr-HR" b="1" i="0" u="none" strike="noStrike" kern="1200" cap="none" spc="0" normalizeH="0" baseline="0" noProof="0" dirty="0">
+              <a:ln>
+                <a:noFill/>
+              </a:ln>
+              <a:solidFill>
+                <a:schemeClr val="accent4"/>
+              </a:solidFill>
+              <a:effectLst/>
+              <a:uLnTx/>
+              <a:uFillTx/>
+              <a:latin typeface="+mj-lt"/>
+              <a:ea typeface="+mn-ea"/>
+              <a:cs typeface="Biome Light" panose="020B0303030204020804" pitchFamily="34" charset="0"/>
+            </a:endParaRPr>
+          </a:p>
+          <a:p>
+            <a:pPr marL="0" marR="0" lvl="0" indent="0" algn="l" defTabSz="914400" rtl="0" eaLnBrk="1" fontAlgn="auto" latinLnBrk="0" hangingPunct="1">
+              <a:lnSpc>
+                <a:spcPct val="90000"/>
+              </a:lnSpc>
+              <a:spcBef>
+                <a:spcPts val="1000"/>
+              </a:spcBef>
+              <a:spcAft>
+                <a:spcPts val="0"/>
+              </a:spcAft>
+              <a:buClrTx/>
+              <a:buSzTx/>
+              <a:buFont typeface="Arial" panose="020B0604020202020204" pitchFamily="34" charset="0"/>
+              <a:buNone/>
+              <a:tabLst/>
+              <a:defRPr/>
+            </a:pPr>
+            <a:r>
+              <a:rPr lang="hr-HR" sz="1600" dirty="0">
+                <a:solidFill>
+                  <a:srgbClr val="1F2328"/>
+                </a:solidFill>
+                <a:cs typeface="Biome Light" panose="020B0303030204020804" pitchFamily="34" charset="0"/>
+              </a:rPr>
+              <a:t>Treća generacija tehnologija za </a:t>
+            </a:r>
+            <a:r>
+              <a:rPr lang="hr-HR" sz="1600" dirty="0" err="1">
+                <a:solidFill>
+                  <a:srgbClr val="1F2328"/>
+                </a:solidFill>
+                <a:cs typeface="Biome Light" panose="020B0303030204020804" pitchFamily="34" charset="0"/>
+              </a:rPr>
+              <a:t>sekvenciranje</a:t>
+            </a:r>
+            <a:r>
+              <a:rPr lang="hr-HR" sz="1600" dirty="0">
+                <a:solidFill>
+                  <a:srgbClr val="1F2328"/>
+                </a:solidFill>
+                <a:cs typeface="Biome Light" panose="020B0303030204020804" pitchFamily="34" charset="0"/>
+              </a:rPr>
+              <a:t> </a:t>
+            </a:r>
+          </a:p>
+          <a:p>
+            <a:pPr marL="0" marR="0" lvl="0" indent="0" algn="l" defTabSz="914400" rtl="0" eaLnBrk="1" fontAlgn="auto" latinLnBrk="0" hangingPunct="1">
+              <a:lnSpc>
+                <a:spcPct val="90000"/>
+              </a:lnSpc>
+              <a:spcBef>
+                <a:spcPts val="1000"/>
+              </a:spcBef>
+              <a:spcAft>
+                <a:spcPts val="0"/>
+              </a:spcAft>
+              <a:buClrTx/>
+              <a:buSzTx/>
+              <a:buFont typeface="Arial" panose="020B0604020202020204" pitchFamily="34" charset="0"/>
+              <a:buNone/>
+              <a:tabLst/>
+              <a:defRPr/>
+            </a:pPr>
+            <a:r>
+              <a:rPr lang="hr-HR" sz="1600" dirty="0">
+                <a:solidFill>
+                  <a:srgbClr val="1F2328"/>
+                </a:solidFill>
+                <a:cs typeface="Biome Light" panose="020B0303030204020804" pitchFamily="34" charset="0"/>
+              </a:rPr>
+              <a:t>Očitanja velike duljine (deseci tisuća baza) s velikom greškom (~ 5-30%)</a:t>
+            </a:r>
+            <a:endParaRPr kumimoji="0" lang="en-US" sz="1600" b="0" i="0" u="none" strike="noStrike" kern="1200" cap="none" spc="0" normalizeH="0" baseline="0" noProof="0" dirty="0">
+              <a:ln>
+                <a:noFill/>
+              </a:ln>
+              <a:effectLst/>
+              <a:uLnTx/>
+              <a:uFillTx/>
+              <a:latin typeface="+mn-lt"/>
+              <a:ea typeface="+mn-ea"/>
+              <a:cs typeface="Biome Light" panose="020B0303030204020804" pitchFamily="34" charset="0"/>
+            </a:endParaRPr>
+          </a:p>
+        </p:txBody>
+      </p:sp>
+      <p:sp>
+        <p:nvSpPr>
+          <p:cNvPr id="20" name="Hexagon 19">
+            <a:extLst>
+              <a:ext uri="{FF2B5EF4-FFF2-40B4-BE49-F238E27FC236}">
+                <a16:creationId xmlns:a16="http://schemas.microsoft.com/office/drawing/2014/main" id="{E3AEA7C5-E53C-47EB-B54E-E09414923CE6}"/>
+              </a:ext>
+              <a:ext uri="{C183D7F6-B498-43B3-948B-1728B52AA6E4}">
+                <adec:decorative xmlns:adec="http://schemas.microsoft.com/office/drawing/2017/decorative" val="1"/>
+              </a:ext>
+            </a:extLst>
+          </p:cNvPr>
+          <p:cNvSpPr/>
+          <p:nvPr/>
+        </p:nvSpPr>
+        <p:spPr>
+          <a:xfrm>
+            <a:off x="609017" y="4778318"/>
+            <a:ext cx="914400" cy="764219"/>
+          </a:xfrm>
+          <a:prstGeom prst="hexagon">
+            <a:avLst/>
+          </a:prstGeom>
+          <a:noFill/>
+          <a:ln>
+            <a:solidFill>
+              <a:schemeClr val="bg1">
+                <a:lumMod val="75000"/>
+              </a:schemeClr>
+            </a:solidFill>
+          </a:ln>
+        </p:spPr>
+        <p:style>
+          <a:lnRef idx="2">
+            <a:schemeClr val="accent1">
+              <a:shade val="50000"/>
+            </a:schemeClr>
+          </a:lnRef>
+          <a:fillRef idx="1">
+            <a:schemeClr val="accent1"/>
+          </a:fillRef>
+          <a:effectRef idx="0">
+            <a:schemeClr val="accent1"/>
+          </a:effectRef>
+          <a:fontRef idx="minor">
+            <a:schemeClr val="lt1"/>
+          </a:fontRef>
+        </p:style>
+        <p:txBody>
+          <a:bodyPr rtlCol="0" anchor="ctr"/>
+          <a:lstStyle/>
+          <a:p>
+            <a:pPr algn="ctr"/>
+            <a:endParaRPr lang="en-US" dirty="0"/>
+          </a:p>
+        </p:txBody>
+      </p:sp>
+      <p:sp>
+        <p:nvSpPr>
+          <p:cNvPr id="17" name="TextBox 16">
+            <a:extLst>
+              <a:ext uri="{FF2B5EF4-FFF2-40B4-BE49-F238E27FC236}">
+                <a16:creationId xmlns:a16="http://schemas.microsoft.com/office/drawing/2014/main" id="{4B6D4D59-1662-44D5-B239-F9F86487BE32}"/>
+              </a:ext>
+            </a:extLst>
+          </p:cNvPr>
+          <p:cNvSpPr txBox="1"/>
+          <p:nvPr/>
+        </p:nvSpPr>
+        <p:spPr>
+          <a:xfrm>
+            <a:off x="1748531" y="4723888"/>
+            <a:ext cx="10179308" cy="691471"/>
+          </a:xfrm>
+          <a:prstGeom prst="rect">
+            <a:avLst/>
+          </a:prstGeom>
+          <a:noFill/>
+        </p:spPr>
+        <p:txBody>
+          <a:bodyPr wrap="square">
+            <a:spAutoFit/>
+          </a:bodyPr>
+          <a:lstStyle/>
+          <a:p>
+            <a:pPr marL="0" marR="0" lvl="0" indent="0" algn="l" defTabSz="914400" rtl="0" eaLnBrk="1" fontAlgn="auto" latinLnBrk="0" hangingPunct="1">
+              <a:lnSpc>
+                <a:spcPct val="90000"/>
+              </a:lnSpc>
+              <a:spcBef>
+                <a:spcPts val="1000"/>
+              </a:spcBef>
+              <a:spcAft>
+                <a:spcPts val="0"/>
+              </a:spcAft>
+              <a:buClrTx/>
+              <a:buSzTx/>
+              <a:buFont typeface="Arial" panose="020B0604020202020204" pitchFamily="34" charset="0"/>
+              <a:buNone/>
+              <a:tabLst/>
+              <a:defRPr/>
+            </a:pPr>
+            <a:r>
+              <a:rPr kumimoji="0" lang="en-US" b="1" i="0" u="none" strike="noStrike" kern="1200" cap="none" spc="0" normalizeH="0" baseline="0" noProof="0" dirty="0">
+                <a:ln>
+                  <a:noFill/>
+                </a:ln>
+                <a:solidFill>
+                  <a:schemeClr val="accent4"/>
+                </a:solidFill>
+                <a:effectLst/>
+                <a:uLnTx/>
+                <a:uFillTx/>
+                <a:latin typeface="+mj-lt"/>
+                <a:ea typeface="+mn-ea"/>
+                <a:cs typeface="Biome Light" panose="020B0303030204020804" pitchFamily="34" charset="0"/>
+              </a:rPr>
+              <a:t>O</a:t>
+            </a:r>
+            <a:r>
+              <a:rPr kumimoji="0" lang="hr-HR" sz="1600" b="1" i="0" u="none" strike="noStrike" kern="1200" cap="none" spc="0" normalizeH="0" baseline="0" noProof="0" dirty="0">
+                <a:ln>
+                  <a:noFill/>
+                </a:ln>
+                <a:solidFill>
+                  <a:schemeClr val="accent4"/>
+                </a:solidFill>
+                <a:effectLst/>
+                <a:uLnTx/>
+                <a:uFillTx/>
+                <a:latin typeface="+mj-lt"/>
+                <a:ea typeface="+mn-ea"/>
+                <a:cs typeface="Biome Light" panose="020B0303030204020804" pitchFamily="34" charset="0"/>
+              </a:rPr>
+              <a:t> čitane sekvence iznimno su duge, odnosno radimo sa vrlo velikom količinom podataka</a:t>
+            </a:r>
+          </a:p>
+          <a:p>
+            <a:pPr marL="0" marR="0" lvl="0" indent="0" algn="l" defTabSz="914400" rtl="0" eaLnBrk="1" fontAlgn="auto" latinLnBrk="0" hangingPunct="1">
+              <a:lnSpc>
+                <a:spcPct val="90000"/>
+              </a:lnSpc>
+              <a:spcBef>
+                <a:spcPts val="1000"/>
+              </a:spcBef>
+              <a:spcAft>
+                <a:spcPts val="0"/>
+              </a:spcAft>
+              <a:buClrTx/>
+              <a:buSzTx/>
+              <a:buFont typeface="Arial" panose="020B0604020202020204" pitchFamily="34" charset="0"/>
+              <a:buNone/>
+              <a:tabLst/>
+              <a:defRPr/>
+            </a:pPr>
+            <a:r>
+              <a:rPr kumimoji="0" lang="hr-HR" sz="1600" b="0" i="0" u="none" strike="noStrike" kern="1200" cap="none" spc="0" normalizeH="0" baseline="0" noProof="0" dirty="0">
+                <a:ln>
+                  <a:noFill/>
+                </a:ln>
+                <a:effectLst/>
+                <a:uLnTx/>
+                <a:uFillTx/>
+                <a:latin typeface="+mn-lt"/>
+                <a:ea typeface="+mn-ea"/>
+                <a:cs typeface="Biome Light" panose="020B0303030204020804" pitchFamily="34" charset="0"/>
+              </a:rPr>
+              <a:t> Računalno </a:t>
+            </a:r>
+            <a:r>
+              <a:rPr lang="hr-HR" sz="1600" dirty="0">
+                <a:cs typeface="Biome Light" panose="020B0303030204020804" pitchFamily="34" charset="0"/>
+              </a:rPr>
+              <a:t>vrlo zahtjevno, potrebni su optimizirani </a:t>
+            </a:r>
+            <a:r>
+              <a:rPr lang="hr-HR" sz="1600" dirty="0" err="1">
+                <a:cs typeface="Biome Light" panose="020B0303030204020804" pitchFamily="34" charset="0"/>
+              </a:rPr>
+              <a:t>bioinformatički</a:t>
+            </a:r>
+            <a:r>
+              <a:rPr lang="hr-HR" sz="1600" dirty="0">
+                <a:cs typeface="Biome Light" panose="020B0303030204020804" pitchFamily="34" charset="0"/>
+              </a:rPr>
+              <a:t> algoritmi za kvalitetan rad</a:t>
+            </a:r>
+            <a:endParaRPr lang="en-US" sz="1600" dirty="0"/>
+          </a:p>
+        </p:txBody>
+      </p:sp>
+      <p:pic>
+        <p:nvPicPr>
+          <p:cNvPr id="4" name="Graphic 3" descr="Microscope with solid fill">
+            <a:extLst>
+              <a:ext uri="{FF2B5EF4-FFF2-40B4-BE49-F238E27FC236}">
+                <a16:creationId xmlns:a16="http://schemas.microsoft.com/office/drawing/2014/main" id="{0953B30D-8991-9AFF-3AA5-33648C3EF488}"/>
+              </a:ext>
+            </a:extLst>
+          </p:cNvPr>
+          <p:cNvPicPr>
+            <a:picLocks noChangeAspect="1"/>
+          </p:cNvPicPr>
+          <p:nvPr/>
+        </p:nvPicPr>
+        <p:blipFill>
+          <a:blip r:embed="rId3">
+            <a:extLst>
+              <a:ext uri="{96DAC541-7B7A-43D3-8B79-37D633B846F1}">
+                <asvg:svgBlip xmlns:asvg="http://schemas.microsoft.com/office/drawing/2016/SVG/main" r:embed="rId4"/>
+              </a:ext>
+            </a:extLst>
+          </a:blip>
+          <a:stretch>
+            <a:fillRect/>
+          </a:stretch>
+        </p:blipFill>
+        <p:spPr>
+          <a:xfrm>
+            <a:off x="749972" y="3527914"/>
+            <a:ext cx="591724" cy="591724"/>
+          </a:xfrm>
+          <a:prstGeom prst="rect">
+            <a:avLst/>
+          </a:prstGeom>
+        </p:spPr>
+      </p:pic>
+      <p:pic>
+        <p:nvPicPr>
+          <p:cNvPr id="6" name="Graphic 5" descr="Programmer female with solid fill">
+            <a:extLst>
+              <a:ext uri="{FF2B5EF4-FFF2-40B4-BE49-F238E27FC236}">
+                <a16:creationId xmlns:a16="http://schemas.microsoft.com/office/drawing/2014/main" id="{55317D8E-6CDB-CD0A-7165-2AB1E3C781FE}"/>
+              </a:ext>
+            </a:extLst>
+          </p:cNvPr>
+          <p:cNvPicPr>
+            <a:picLocks noChangeAspect="1"/>
+          </p:cNvPicPr>
+          <p:nvPr/>
+        </p:nvPicPr>
+        <p:blipFill>
+          <a:blip r:embed="rId5">
+            <a:extLst>
+              <a:ext uri="{96DAC541-7B7A-43D3-8B79-37D633B846F1}">
+                <asvg:svgBlip xmlns:asvg="http://schemas.microsoft.com/office/drawing/2016/SVG/main" r:embed="rId6"/>
+              </a:ext>
+            </a:extLst>
+          </a:blip>
+          <a:stretch>
+            <a:fillRect/>
+          </a:stretch>
+        </p:blipFill>
+        <p:spPr>
+          <a:xfrm>
+            <a:off x="752881" y="4778318"/>
+            <a:ext cx="626672" cy="626672"/>
+          </a:xfrm>
+          <a:prstGeom prst="rect">
+            <a:avLst/>
+          </a:prstGeom>
+        </p:spPr>
+      </p:pic>
+      <p:pic>
+        <p:nvPicPr>
+          <p:cNvPr id="10" name="Graphic 9" descr="DNA with solid fill">
+            <a:extLst>
+              <a:ext uri="{FF2B5EF4-FFF2-40B4-BE49-F238E27FC236}">
+                <a16:creationId xmlns:a16="http://schemas.microsoft.com/office/drawing/2014/main" id="{7DC39234-C78E-1B5D-4147-F320CD8044EF}"/>
+              </a:ext>
+            </a:extLst>
+          </p:cNvPr>
+          <p:cNvPicPr>
+            <a:picLocks noChangeAspect="1"/>
+          </p:cNvPicPr>
+          <p:nvPr/>
+        </p:nvPicPr>
+        <p:blipFill>
+          <a:blip r:embed="rId7">
+            <a:extLst>
+              <a:ext uri="{96DAC541-7B7A-43D3-8B79-37D633B846F1}">
+                <asvg:svgBlip xmlns:asvg="http://schemas.microsoft.com/office/drawing/2016/SVG/main" r:embed="rId8"/>
+              </a:ext>
+            </a:extLst>
+          </a:blip>
+          <a:stretch>
+            <a:fillRect/>
+          </a:stretch>
+        </p:blipFill>
+        <p:spPr>
+          <a:xfrm>
+            <a:off x="770355" y="2192851"/>
+            <a:ext cx="618777" cy="618777"/>
+          </a:xfrm>
+          <a:prstGeom prst="rect">
+            <a:avLst/>
+          </a:prstGeom>
+        </p:spPr>
+      </p:pic>
+      <p:pic>
+        <p:nvPicPr>
+          <p:cNvPr id="14" name="Picture 13">
+            <a:extLst>
+              <a:ext uri="{FF2B5EF4-FFF2-40B4-BE49-F238E27FC236}">
+                <a16:creationId xmlns:a16="http://schemas.microsoft.com/office/drawing/2014/main" id="{36E45F9D-AA65-BF32-AE3B-37752791276B}"/>
+              </a:ext>
+            </a:extLst>
+          </p:cNvPr>
+          <p:cNvPicPr>
+            <a:picLocks noChangeAspect="1"/>
+          </p:cNvPicPr>
+          <p:nvPr/>
+        </p:nvPicPr>
+        <p:blipFill>
+          <a:blip r:embed="rId9"/>
+          <a:stretch>
+            <a:fillRect/>
+          </a:stretch>
+        </p:blipFill>
+        <p:spPr>
+          <a:xfrm>
+            <a:off x="152870" y="5879838"/>
+            <a:ext cx="3191320" cy="885949"/>
+          </a:xfrm>
+          <a:prstGeom prst="rect">
+            <a:avLst/>
+          </a:prstGeom>
+        </p:spPr>
+      </p:pic>
+    </p:spTree>
+    <p:extLst>
+      <p:ext uri="{BB962C8B-B14F-4D97-AF65-F5344CB8AC3E}">
+        <p14:creationId xmlns:p14="http://schemas.microsoft.com/office/powerpoint/2010/main" val="4120671462"/>
+      </p:ext>
+    </p:extLst>
+  </p:cSld>
+  <p:clrMapOvr>
+    <a:masterClrMapping/>
+  </p:clrMapOvr>
+</p:sld>
+</file>
+
+<file path=ppt/slides/slide20.xml><?xml version="1.0" encoding="utf-8"?>
 <p:sld xmlns:a="http://schemas.openxmlformats.org/drawingml/2006/main" xmlns:r="http://schemas.openxmlformats.org/officeDocument/2006/relationships" xmlns:p="http://schemas.openxmlformats.org/presentationml/2006/main">
   <p:cSld>
     <p:spTree>
@@ -11634,7 +13228,10 @@
               </a:rPr>
               <a:t>https://shorturl.at/tfQ4r</a:t>
             </a:r>
-            <a:endParaRPr lang="hr-HR" dirty="0"/>
+            <a:r>
+              <a:rPr lang="hr-HR" dirty="0"/>
+              <a:t> ; 30.05.2025. 19:00</a:t>
+            </a:r>
           </a:p>
           <a:p>
             <a:pPr marL="342900" indent="-342900">
@@ -11705,902 +13302,6 @@
     <p:extLst>
       <p:ext uri="{BB962C8B-B14F-4D97-AF65-F5344CB8AC3E}">
         <p14:creationId xmlns:p14="http://schemas.microsoft.com/office/powerpoint/2010/main" val="783762783"/>
-      </p:ext>
-    </p:extLst>
-  </p:cSld>
-  <p:clrMapOvr>
-    <a:masterClrMapping/>
-  </p:clrMapOvr>
-</p:sld>
-</file>
-
-<file path=ppt/slides/slide2.xml><?xml version="1.0" encoding="utf-8"?>
-<p:sld xmlns:a="http://schemas.openxmlformats.org/drawingml/2006/main" xmlns:r="http://schemas.openxmlformats.org/officeDocument/2006/relationships" xmlns:p="http://schemas.openxmlformats.org/presentationml/2006/main">
-  <p:cSld>
-    <p:bg>
-      <p:bgPr>
-        <a:solidFill>
-          <a:schemeClr val="bg1">
-            <a:lumMod val="95000"/>
-          </a:schemeClr>
-        </a:solidFill>
-        <a:effectLst/>
-      </p:bgPr>
-    </p:bg>
-    <p:spTree>
-      <p:nvGrpSpPr>
-        <p:cNvPr id="1" name=""/>
-        <p:cNvGrpSpPr/>
-        <p:nvPr/>
-      </p:nvGrpSpPr>
-      <p:grpSpPr>
-        <a:xfrm>
-          <a:off x="0" y="0"/>
-          <a:ext cx="0" cy="0"/>
-          <a:chOff x="0" y="0"/>
-          <a:chExt cx="0" cy="0"/>
-        </a:xfrm>
-      </p:grpSpPr>
-      <p:sp>
-        <p:nvSpPr>
-          <p:cNvPr id="2" name="Title 1">
-            <a:extLst>
-              <a:ext uri="{FF2B5EF4-FFF2-40B4-BE49-F238E27FC236}">
-                <a16:creationId xmlns:a16="http://schemas.microsoft.com/office/drawing/2014/main" id="{1B67F211-ED25-4BED-862A-17F84B323349}"/>
-              </a:ext>
-            </a:extLst>
-          </p:cNvPr>
-          <p:cNvSpPr>
-            <a:spLocks noGrp="1"/>
-          </p:cNvSpPr>
-          <p:nvPr>
-            <p:ph type="title"/>
-          </p:nvPr>
-        </p:nvSpPr>
-        <p:spPr/>
-        <p:txBody>
-          <a:bodyPr/>
-          <a:lstStyle/>
-          <a:p>
-            <a:r>
-              <a:rPr lang="hr-HR" dirty="0"/>
-              <a:t>Problem koji rješavamo ovim radom:</a:t>
-            </a:r>
-            <a:br>
-              <a:rPr lang="en-US" dirty="0"/>
-            </a:br>
-            <a:endParaRPr lang="en-US" dirty="0"/>
-          </a:p>
-        </p:txBody>
-      </p:sp>
-      <p:sp>
-        <p:nvSpPr>
-          <p:cNvPr id="18" name="Hexagon 17">
-            <a:extLst>
-              <a:ext uri="{FF2B5EF4-FFF2-40B4-BE49-F238E27FC236}">
-                <a16:creationId xmlns:a16="http://schemas.microsoft.com/office/drawing/2014/main" id="{F3A0DAD0-3E39-4BBF-88E4-5C3C306DCCBB}"/>
-              </a:ext>
-              <a:ext uri="{C183D7F6-B498-43B3-948B-1728B52AA6E4}">
-                <adec:decorative xmlns:adec="http://schemas.microsoft.com/office/drawing/2017/decorative" val="1"/>
-              </a:ext>
-            </a:extLst>
-          </p:cNvPr>
-          <p:cNvSpPr/>
-          <p:nvPr/>
-        </p:nvSpPr>
-        <p:spPr>
-          <a:xfrm>
-            <a:off x="609018" y="2105016"/>
-            <a:ext cx="914400" cy="764219"/>
-          </a:xfrm>
-          <a:prstGeom prst="hexagon">
-            <a:avLst/>
-          </a:prstGeom>
-          <a:noFill/>
-          <a:ln>
-            <a:solidFill>
-              <a:schemeClr val="bg1">
-                <a:lumMod val="75000"/>
-              </a:schemeClr>
-            </a:solidFill>
-          </a:ln>
-        </p:spPr>
-        <p:style>
-          <a:lnRef idx="2">
-            <a:schemeClr val="accent1">
-              <a:shade val="50000"/>
-            </a:schemeClr>
-          </a:lnRef>
-          <a:fillRef idx="1">
-            <a:schemeClr val="accent1"/>
-          </a:fillRef>
-          <a:effectRef idx="0">
-            <a:schemeClr val="accent1"/>
-          </a:effectRef>
-          <a:fontRef idx="minor">
-            <a:schemeClr val="lt1"/>
-          </a:fontRef>
-        </p:style>
-        <p:txBody>
-          <a:bodyPr rtlCol="0" anchor="ctr"/>
-          <a:lstStyle/>
-          <a:p>
-            <a:pPr algn="ctr"/>
-            <a:endParaRPr lang="en-US" dirty="0"/>
-          </a:p>
-        </p:txBody>
-      </p:sp>
-      <p:sp>
-        <p:nvSpPr>
-          <p:cNvPr id="11" name="TextBox 10">
-            <a:extLst>
-              <a:ext uri="{FF2B5EF4-FFF2-40B4-BE49-F238E27FC236}">
-                <a16:creationId xmlns:a16="http://schemas.microsoft.com/office/drawing/2014/main" id="{0A302878-D117-49D8-8CD3-093E34DF215B}"/>
-              </a:ext>
-            </a:extLst>
-          </p:cNvPr>
-          <p:cNvSpPr txBox="1"/>
-          <p:nvPr/>
-        </p:nvSpPr>
-        <p:spPr>
-          <a:xfrm>
-            <a:off x="1748530" y="2125176"/>
-            <a:ext cx="10179309" cy="691471"/>
-          </a:xfrm>
-          <a:prstGeom prst="rect">
-            <a:avLst/>
-          </a:prstGeom>
-          <a:noFill/>
-        </p:spPr>
-        <p:txBody>
-          <a:bodyPr wrap="square">
-            <a:spAutoFit/>
-          </a:bodyPr>
-          <a:lstStyle/>
-          <a:p>
-            <a:pPr marL="0" marR="0" lvl="0" indent="0" algn="l" defTabSz="914400" rtl="0" eaLnBrk="1" fontAlgn="auto" latinLnBrk="0" hangingPunct="1">
-              <a:lnSpc>
-                <a:spcPct val="90000"/>
-              </a:lnSpc>
-              <a:spcBef>
-                <a:spcPts val="1000"/>
-              </a:spcBef>
-              <a:spcAft>
-                <a:spcPts val="0"/>
-              </a:spcAft>
-              <a:buClrTx/>
-              <a:buSzTx/>
-              <a:buFont typeface="Arial" panose="020B0604020202020204" pitchFamily="34" charset="0"/>
-              <a:buNone/>
-              <a:tabLst/>
-              <a:defRPr/>
-            </a:pPr>
-            <a:r>
-              <a:rPr kumimoji="0" lang="hr-HR" b="1" i="0" u="none" strike="noStrike" kern="1200" cap="none" spc="0" normalizeH="0" baseline="0" noProof="0" dirty="0">
-                <a:ln>
-                  <a:noFill/>
-                </a:ln>
-                <a:solidFill>
-                  <a:schemeClr val="accent4"/>
-                </a:solidFill>
-                <a:effectLst/>
-                <a:uLnTx/>
-                <a:uFillTx/>
-                <a:latin typeface="+mj-lt"/>
-                <a:ea typeface="+mn-ea"/>
-                <a:cs typeface="Biome Light" panose="020B0303030204020804" pitchFamily="34" charset="0"/>
-              </a:rPr>
-              <a:t>Uređaji za </a:t>
-            </a:r>
-            <a:r>
-              <a:rPr kumimoji="0" lang="hr-HR" b="1" i="0" u="none" strike="noStrike" kern="1200" cap="none" spc="0" normalizeH="0" baseline="0" noProof="0" dirty="0" err="1">
-                <a:ln>
-                  <a:noFill/>
-                </a:ln>
-                <a:solidFill>
-                  <a:schemeClr val="accent4"/>
-                </a:solidFill>
-                <a:effectLst/>
-                <a:uLnTx/>
-                <a:uFillTx/>
-                <a:latin typeface="+mj-lt"/>
-                <a:ea typeface="+mn-ea"/>
-                <a:cs typeface="Biome Light" panose="020B0303030204020804" pitchFamily="34" charset="0"/>
-              </a:rPr>
-              <a:t>sekvenciranje</a:t>
-            </a:r>
-            <a:r>
-              <a:rPr kumimoji="0" lang="hr-HR" b="1" i="0" u="none" strike="noStrike" kern="1200" cap="none" spc="0" normalizeH="0" baseline="0" noProof="0" dirty="0">
-                <a:ln>
-                  <a:noFill/>
-                </a:ln>
-                <a:solidFill>
-                  <a:schemeClr val="accent4"/>
-                </a:solidFill>
-                <a:effectLst/>
-                <a:uLnTx/>
-                <a:uFillTx/>
-                <a:latin typeface="+mj-lt"/>
-                <a:ea typeface="+mn-ea"/>
-                <a:cs typeface="Biome Light" panose="020B0303030204020804" pitchFamily="34" charset="0"/>
-              </a:rPr>
-              <a:t> i dalje ne mogu očitati cijelu sekvencu</a:t>
-            </a:r>
-          </a:p>
-          <a:p>
-            <a:pPr marL="0" marR="0" lvl="0" indent="0" algn="l" defTabSz="914400" rtl="0" eaLnBrk="1" fontAlgn="auto" latinLnBrk="0" hangingPunct="1">
-              <a:lnSpc>
-                <a:spcPct val="90000"/>
-              </a:lnSpc>
-              <a:spcBef>
-                <a:spcPts val="1000"/>
-              </a:spcBef>
-              <a:spcAft>
-                <a:spcPts val="0"/>
-              </a:spcAft>
-              <a:buClrTx/>
-              <a:buSzTx/>
-              <a:buFont typeface="Arial" panose="020B0604020202020204" pitchFamily="34" charset="0"/>
-              <a:buNone/>
-              <a:tabLst/>
-              <a:defRPr/>
-            </a:pPr>
-            <a:r>
-              <a:rPr lang="hr-HR" sz="1600" dirty="0">
-                <a:solidFill>
-                  <a:srgbClr val="1F2328"/>
-                </a:solidFill>
-              </a:rPr>
-              <a:t>Dijelovi koji su očitani imaju određeni stupanj pogreške</a:t>
-            </a:r>
-            <a:endParaRPr lang="hr-HR" sz="1600" b="0" i="0" dirty="0">
-              <a:solidFill>
-                <a:srgbClr val="1F2328"/>
-              </a:solidFill>
-              <a:effectLst/>
-            </a:endParaRPr>
-          </a:p>
-        </p:txBody>
-      </p:sp>
-      <p:sp>
-        <p:nvSpPr>
-          <p:cNvPr id="19" name="Hexagon 18">
-            <a:extLst>
-              <a:ext uri="{FF2B5EF4-FFF2-40B4-BE49-F238E27FC236}">
-                <a16:creationId xmlns:a16="http://schemas.microsoft.com/office/drawing/2014/main" id="{A6510D74-8CDF-4500-996B-40C07942D72B}"/>
-              </a:ext>
-              <a:ext uri="{C183D7F6-B498-43B3-948B-1728B52AA6E4}">
-                <adec:decorative xmlns:adec="http://schemas.microsoft.com/office/drawing/2017/decorative" val="1"/>
-              </a:ext>
-            </a:extLst>
-          </p:cNvPr>
-          <p:cNvSpPr/>
-          <p:nvPr/>
-        </p:nvSpPr>
-        <p:spPr>
-          <a:xfrm>
-            <a:off x="609017" y="3441667"/>
-            <a:ext cx="914400" cy="764219"/>
-          </a:xfrm>
-          <a:prstGeom prst="hexagon">
-            <a:avLst/>
-          </a:prstGeom>
-          <a:noFill/>
-          <a:ln>
-            <a:solidFill>
-              <a:schemeClr val="bg1">
-                <a:lumMod val="75000"/>
-              </a:schemeClr>
-            </a:solidFill>
-          </a:ln>
-        </p:spPr>
-        <p:style>
-          <a:lnRef idx="2">
-            <a:schemeClr val="accent1">
-              <a:shade val="50000"/>
-            </a:schemeClr>
-          </a:lnRef>
-          <a:fillRef idx="1">
-            <a:schemeClr val="accent1"/>
-          </a:fillRef>
-          <a:effectRef idx="0">
-            <a:schemeClr val="accent1"/>
-          </a:effectRef>
-          <a:fontRef idx="minor">
-            <a:schemeClr val="lt1"/>
-          </a:fontRef>
-        </p:style>
-        <p:txBody>
-          <a:bodyPr rtlCol="0" anchor="ctr"/>
-          <a:lstStyle/>
-          <a:p>
-            <a:pPr algn="ctr"/>
-            <a:endParaRPr lang="en-US" dirty="0"/>
-          </a:p>
-        </p:txBody>
-      </p:sp>
-      <p:sp>
-        <p:nvSpPr>
-          <p:cNvPr id="13" name="TextBox 12">
-            <a:extLst>
-              <a:ext uri="{FF2B5EF4-FFF2-40B4-BE49-F238E27FC236}">
-                <a16:creationId xmlns:a16="http://schemas.microsoft.com/office/drawing/2014/main" id="{E0A3F38B-310F-454B-9EF6-EF4B5FD017B0}"/>
-              </a:ext>
-            </a:extLst>
-          </p:cNvPr>
-          <p:cNvSpPr txBox="1"/>
-          <p:nvPr/>
-        </p:nvSpPr>
-        <p:spPr>
-          <a:xfrm>
-            <a:off x="1748530" y="3374261"/>
-            <a:ext cx="9649956" cy="1041311"/>
-          </a:xfrm>
-          <a:prstGeom prst="rect">
-            <a:avLst/>
-          </a:prstGeom>
-          <a:noFill/>
-        </p:spPr>
-        <p:txBody>
-          <a:bodyPr wrap="square">
-            <a:spAutoFit/>
-          </a:bodyPr>
-          <a:lstStyle/>
-          <a:p>
-            <a:pPr marL="0" marR="0" lvl="0" indent="0" algn="l" defTabSz="914400" rtl="0" eaLnBrk="1" fontAlgn="auto" latinLnBrk="0" hangingPunct="1">
-              <a:lnSpc>
-                <a:spcPct val="90000"/>
-              </a:lnSpc>
-              <a:spcBef>
-                <a:spcPts val="1000"/>
-              </a:spcBef>
-              <a:spcAft>
-                <a:spcPts val="0"/>
-              </a:spcAft>
-              <a:buClrTx/>
-              <a:buSzTx/>
-              <a:buFont typeface="Arial" panose="020B0604020202020204" pitchFamily="34" charset="0"/>
-              <a:buNone/>
-              <a:tabLst/>
-              <a:defRPr/>
-            </a:pPr>
-            <a:r>
-              <a:rPr kumimoji="0" lang="en-US" b="1" i="0" u="none" strike="noStrike" kern="1200" cap="none" spc="0" normalizeH="0" baseline="0" noProof="0" dirty="0">
-                <a:ln>
-                  <a:noFill/>
-                </a:ln>
-                <a:solidFill>
-                  <a:schemeClr val="accent4"/>
-                </a:solidFill>
-                <a:effectLst/>
-                <a:uLnTx/>
-                <a:uFillTx/>
-                <a:latin typeface="+mj-lt"/>
-                <a:ea typeface="+mn-ea"/>
-                <a:cs typeface="Biome Light" panose="020B0303030204020804" pitchFamily="34" charset="0"/>
-              </a:rPr>
-              <a:t>O</a:t>
-            </a:r>
-            <a:r>
-              <a:rPr kumimoji="0" lang="hr-HR" b="1" i="0" u="none" strike="noStrike" kern="1200" cap="none" spc="0" normalizeH="0" baseline="0" noProof="0" dirty="0" err="1">
-                <a:ln>
-                  <a:noFill/>
-                </a:ln>
-                <a:solidFill>
-                  <a:schemeClr val="accent4"/>
-                </a:solidFill>
-                <a:effectLst/>
-                <a:uLnTx/>
-                <a:uFillTx/>
-                <a:latin typeface="+mj-lt"/>
-                <a:ea typeface="+mn-ea"/>
-                <a:cs typeface="Biome Light" panose="020B0303030204020804" pitchFamily="34" charset="0"/>
-              </a:rPr>
-              <a:t>xford</a:t>
-            </a:r>
-            <a:r>
-              <a:rPr kumimoji="0" lang="hr-HR" b="1" i="0" u="none" strike="noStrike" kern="1200" cap="none" spc="0" normalizeH="0" baseline="0" noProof="0" dirty="0">
-                <a:ln>
-                  <a:noFill/>
-                </a:ln>
-                <a:solidFill>
-                  <a:schemeClr val="accent4"/>
-                </a:solidFill>
-                <a:effectLst/>
-                <a:uLnTx/>
-                <a:uFillTx/>
-                <a:latin typeface="+mj-lt"/>
-                <a:ea typeface="+mn-ea"/>
-                <a:cs typeface="Biome Light" panose="020B0303030204020804" pitchFamily="34" charset="0"/>
-              </a:rPr>
-              <a:t> </a:t>
-            </a:r>
-            <a:r>
-              <a:rPr kumimoji="0" lang="hr-HR" b="1" i="0" u="none" strike="noStrike" kern="1200" cap="none" spc="0" normalizeH="0" baseline="0" noProof="0" dirty="0" err="1">
-                <a:ln>
-                  <a:noFill/>
-                </a:ln>
-                <a:solidFill>
-                  <a:schemeClr val="accent4"/>
-                </a:solidFill>
-                <a:effectLst/>
-                <a:uLnTx/>
-                <a:uFillTx/>
-                <a:latin typeface="+mj-lt"/>
-                <a:ea typeface="+mn-ea"/>
-                <a:cs typeface="Biome Light" panose="020B0303030204020804" pitchFamily="34" charset="0"/>
-              </a:rPr>
-              <a:t>Nanopore</a:t>
-            </a:r>
-            <a:r>
-              <a:rPr kumimoji="0" lang="hr-HR" b="1" i="0" u="none" strike="noStrike" kern="1200" cap="none" spc="0" normalizeH="0" baseline="0" noProof="0" dirty="0">
-                <a:ln>
-                  <a:noFill/>
-                </a:ln>
-                <a:solidFill>
-                  <a:schemeClr val="accent4"/>
-                </a:solidFill>
-                <a:effectLst/>
-                <a:uLnTx/>
-                <a:uFillTx/>
-                <a:latin typeface="+mj-lt"/>
-                <a:ea typeface="+mn-ea"/>
-                <a:cs typeface="Biome Light" panose="020B0303030204020804" pitchFamily="34" charset="0"/>
-              </a:rPr>
-              <a:t> </a:t>
-            </a:r>
-            <a:r>
-              <a:rPr kumimoji="0" lang="hr-HR" b="1" i="0" u="none" strike="noStrike" kern="1200" cap="none" spc="0" normalizeH="0" baseline="0" noProof="0" dirty="0" err="1">
-                <a:ln>
-                  <a:noFill/>
-                </a:ln>
-                <a:solidFill>
-                  <a:schemeClr val="accent4"/>
-                </a:solidFill>
-                <a:effectLst/>
-                <a:uLnTx/>
-                <a:uFillTx/>
-                <a:latin typeface="+mj-lt"/>
-                <a:ea typeface="+mn-ea"/>
-                <a:cs typeface="Biome Light" panose="020B0303030204020804" pitchFamily="34" charset="0"/>
-              </a:rPr>
-              <a:t>Tehnologies</a:t>
-            </a:r>
-            <a:endParaRPr kumimoji="0" lang="hr-HR" b="1" i="0" u="none" strike="noStrike" kern="1200" cap="none" spc="0" normalizeH="0" baseline="0" noProof="0" dirty="0">
-              <a:ln>
-                <a:noFill/>
-              </a:ln>
-              <a:solidFill>
-                <a:schemeClr val="accent4"/>
-              </a:solidFill>
-              <a:effectLst/>
-              <a:uLnTx/>
-              <a:uFillTx/>
-              <a:latin typeface="+mj-lt"/>
-              <a:ea typeface="+mn-ea"/>
-              <a:cs typeface="Biome Light" panose="020B0303030204020804" pitchFamily="34" charset="0"/>
-            </a:endParaRPr>
-          </a:p>
-          <a:p>
-            <a:pPr marL="0" marR="0" lvl="0" indent="0" algn="l" defTabSz="914400" rtl="0" eaLnBrk="1" fontAlgn="auto" latinLnBrk="0" hangingPunct="1">
-              <a:lnSpc>
-                <a:spcPct val="90000"/>
-              </a:lnSpc>
-              <a:spcBef>
-                <a:spcPts val="1000"/>
-              </a:spcBef>
-              <a:spcAft>
-                <a:spcPts val="0"/>
-              </a:spcAft>
-              <a:buClrTx/>
-              <a:buSzTx/>
-              <a:buFont typeface="Arial" panose="020B0604020202020204" pitchFamily="34" charset="0"/>
-              <a:buNone/>
-              <a:tabLst/>
-              <a:defRPr/>
-            </a:pPr>
-            <a:r>
-              <a:rPr lang="hr-HR" sz="1600" dirty="0">
-                <a:solidFill>
-                  <a:srgbClr val="1F2328"/>
-                </a:solidFill>
-                <a:cs typeface="Biome Light" panose="020B0303030204020804" pitchFamily="34" charset="0"/>
-              </a:rPr>
-              <a:t>Treća generacija tehnologija za </a:t>
-            </a:r>
-            <a:r>
-              <a:rPr lang="hr-HR" sz="1600" dirty="0" err="1">
-                <a:solidFill>
-                  <a:srgbClr val="1F2328"/>
-                </a:solidFill>
-                <a:cs typeface="Biome Light" panose="020B0303030204020804" pitchFamily="34" charset="0"/>
-              </a:rPr>
-              <a:t>sekvenciranje</a:t>
-            </a:r>
-            <a:r>
-              <a:rPr lang="hr-HR" sz="1600" dirty="0">
-                <a:solidFill>
-                  <a:srgbClr val="1F2328"/>
-                </a:solidFill>
-                <a:cs typeface="Biome Light" panose="020B0303030204020804" pitchFamily="34" charset="0"/>
-              </a:rPr>
-              <a:t> </a:t>
-            </a:r>
-          </a:p>
-          <a:p>
-            <a:pPr marL="0" marR="0" lvl="0" indent="0" algn="l" defTabSz="914400" rtl="0" eaLnBrk="1" fontAlgn="auto" latinLnBrk="0" hangingPunct="1">
-              <a:lnSpc>
-                <a:spcPct val="90000"/>
-              </a:lnSpc>
-              <a:spcBef>
-                <a:spcPts val="1000"/>
-              </a:spcBef>
-              <a:spcAft>
-                <a:spcPts val="0"/>
-              </a:spcAft>
-              <a:buClrTx/>
-              <a:buSzTx/>
-              <a:buFont typeface="Arial" panose="020B0604020202020204" pitchFamily="34" charset="0"/>
-              <a:buNone/>
-              <a:tabLst/>
-              <a:defRPr/>
-            </a:pPr>
-            <a:r>
-              <a:rPr lang="hr-HR" sz="1600" dirty="0">
-                <a:solidFill>
-                  <a:srgbClr val="1F2328"/>
-                </a:solidFill>
-                <a:cs typeface="Biome Light" panose="020B0303030204020804" pitchFamily="34" charset="0"/>
-              </a:rPr>
-              <a:t>Očitanja velike duljine (deseci tisuća baza) s velikom greškom (~ 5-30%)</a:t>
-            </a:r>
-            <a:endParaRPr kumimoji="0" lang="en-US" sz="1600" b="0" i="0" u="none" strike="noStrike" kern="1200" cap="none" spc="0" normalizeH="0" baseline="0" noProof="0" dirty="0">
-              <a:ln>
-                <a:noFill/>
-              </a:ln>
-              <a:effectLst/>
-              <a:uLnTx/>
-              <a:uFillTx/>
-              <a:latin typeface="+mn-lt"/>
-              <a:ea typeface="+mn-ea"/>
-              <a:cs typeface="Biome Light" panose="020B0303030204020804" pitchFamily="34" charset="0"/>
-            </a:endParaRPr>
-          </a:p>
-        </p:txBody>
-      </p:sp>
-      <p:sp>
-        <p:nvSpPr>
-          <p:cNvPr id="20" name="Hexagon 19">
-            <a:extLst>
-              <a:ext uri="{FF2B5EF4-FFF2-40B4-BE49-F238E27FC236}">
-                <a16:creationId xmlns:a16="http://schemas.microsoft.com/office/drawing/2014/main" id="{E3AEA7C5-E53C-47EB-B54E-E09414923CE6}"/>
-              </a:ext>
-              <a:ext uri="{C183D7F6-B498-43B3-948B-1728B52AA6E4}">
-                <adec:decorative xmlns:adec="http://schemas.microsoft.com/office/drawing/2017/decorative" val="1"/>
-              </a:ext>
-            </a:extLst>
-          </p:cNvPr>
-          <p:cNvSpPr/>
-          <p:nvPr/>
-        </p:nvSpPr>
-        <p:spPr>
-          <a:xfrm>
-            <a:off x="609017" y="4778318"/>
-            <a:ext cx="914400" cy="764219"/>
-          </a:xfrm>
-          <a:prstGeom prst="hexagon">
-            <a:avLst/>
-          </a:prstGeom>
-          <a:noFill/>
-          <a:ln>
-            <a:solidFill>
-              <a:schemeClr val="bg1">
-                <a:lumMod val="75000"/>
-              </a:schemeClr>
-            </a:solidFill>
-          </a:ln>
-        </p:spPr>
-        <p:style>
-          <a:lnRef idx="2">
-            <a:schemeClr val="accent1">
-              <a:shade val="50000"/>
-            </a:schemeClr>
-          </a:lnRef>
-          <a:fillRef idx="1">
-            <a:schemeClr val="accent1"/>
-          </a:fillRef>
-          <a:effectRef idx="0">
-            <a:schemeClr val="accent1"/>
-          </a:effectRef>
-          <a:fontRef idx="minor">
-            <a:schemeClr val="lt1"/>
-          </a:fontRef>
-        </p:style>
-        <p:txBody>
-          <a:bodyPr rtlCol="0" anchor="ctr"/>
-          <a:lstStyle/>
-          <a:p>
-            <a:pPr algn="ctr"/>
-            <a:endParaRPr lang="en-US" dirty="0"/>
-          </a:p>
-        </p:txBody>
-      </p:sp>
-      <p:sp>
-        <p:nvSpPr>
-          <p:cNvPr id="17" name="TextBox 16">
-            <a:extLst>
-              <a:ext uri="{FF2B5EF4-FFF2-40B4-BE49-F238E27FC236}">
-                <a16:creationId xmlns:a16="http://schemas.microsoft.com/office/drawing/2014/main" id="{4B6D4D59-1662-44D5-B239-F9F86487BE32}"/>
-              </a:ext>
-            </a:extLst>
-          </p:cNvPr>
-          <p:cNvSpPr txBox="1"/>
-          <p:nvPr/>
-        </p:nvSpPr>
-        <p:spPr>
-          <a:xfrm>
-            <a:off x="1748531" y="4723888"/>
-            <a:ext cx="10179308" cy="691471"/>
-          </a:xfrm>
-          <a:prstGeom prst="rect">
-            <a:avLst/>
-          </a:prstGeom>
-          <a:noFill/>
-        </p:spPr>
-        <p:txBody>
-          <a:bodyPr wrap="square">
-            <a:spAutoFit/>
-          </a:bodyPr>
-          <a:lstStyle/>
-          <a:p>
-            <a:pPr marL="0" marR="0" lvl="0" indent="0" algn="l" defTabSz="914400" rtl="0" eaLnBrk="1" fontAlgn="auto" latinLnBrk="0" hangingPunct="1">
-              <a:lnSpc>
-                <a:spcPct val="90000"/>
-              </a:lnSpc>
-              <a:spcBef>
-                <a:spcPts val="1000"/>
-              </a:spcBef>
-              <a:spcAft>
-                <a:spcPts val="0"/>
-              </a:spcAft>
-              <a:buClrTx/>
-              <a:buSzTx/>
-              <a:buFont typeface="Arial" panose="020B0604020202020204" pitchFamily="34" charset="0"/>
-              <a:buNone/>
-              <a:tabLst/>
-              <a:defRPr/>
-            </a:pPr>
-            <a:r>
-              <a:rPr kumimoji="0" lang="en-US" b="1" i="0" u="none" strike="noStrike" kern="1200" cap="none" spc="0" normalizeH="0" baseline="0" noProof="0" dirty="0">
-                <a:ln>
-                  <a:noFill/>
-                </a:ln>
-                <a:solidFill>
-                  <a:schemeClr val="accent4"/>
-                </a:solidFill>
-                <a:effectLst/>
-                <a:uLnTx/>
-                <a:uFillTx/>
-                <a:latin typeface="+mj-lt"/>
-                <a:ea typeface="+mn-ea"/>
-                <a:cs typeface="Biome Light" panose="020B0303030204020804" pitchFamily="34" charset="0"/>
-              </a:rPr>
-              <a:t>O</a:t>
-            </a:r>
-            <a:r>
-              <a:rPr kumimoji="0" lang="hr-HR" sz="1600" b="1" i="0" u="none" strike="noStrike" kern="1200" cap="none" spc="0" normalizeH="0" baseline="0" noProof="0" dirty="0">
-                <a:ln>
-                  <a:noFill/>
-                </a:ln>
-                <a:solidFill>
-                  <a:schemeClr val="accent4"/>
-                </a:solidFill>
-                <a:effectLst/>
-                <a:uLnTx/>
-                <a:uFillTx/>
-                <a:latin typeface="+mj-lt"/>
-                <a:ea typeface="+mn-ea"/>
-                <a:cs typeface="Biome Light" panose="020B0303030204020804" pitchFamily="34" charset="0"/>
-              </a:rPr>
-              <a:t> čitane sekvence iznimno su duge, odnosno radimo sa vrlo velikom količinom podataka</a:t>
-            </a:r>
-          </a:p>
-          <a:p>
-            <a:pPr marL="0" marR="0" lvl="0" indent="0" algn="l" defTabSz="914400" rtl="0" eaLnBrk="1" fontAlgn="auto" latinLnBrk="0" hangingPunct="1">
-              <a:lnSpc>
-                <a:spcPct val="90000"/>
-              </a:lnSpc>
-              <a:spcBef>
-                <a:spcPts val="1000"/>
-              </a:spcBef>
-              <a:spcAft>
-                <a:spcPts val="0"/>
-              </a:spcAft>
-              <a:buClrTx/>
-              <a:buSzTx/>
-              <a:buFont typeface="Arial" panose="020B0604020202020204" pitchFamily="34" charset="0"/>
-              <a:buNone/>
-              <a:tabLst/>
-              <a:defRPr/>
-            </a:pPr>
-            <a:r>
-              <a:rPr kumimoji="0" lang="hr-HR" sz="1600" b="0" i="0" u="none" strike="noStrike" kern="1200" cap="none" spc="0" normalizeH="0" baseline="0" noProof="0" dirty="0">
-                <a:ln>
-                  <a:noFill/>
-                </a:ln>
-                <a:effectLst/>
-                <a:uLnTx/>
-                <a:uFillTx/>
-                <a:latin typeface="+mn-lt"/>
-                <a:ea typeface="+mn-ea"/>
-                <a:cs typeface="Biome Light" panose="020B0303030204020804" pitchFamily="34" charset="0"/>
-              </a:rPr>
-              <a:t> Računalno </a:t>
-            </a:r>
-            <a:r>
-              <a:rPr lang="hr-HR" sz="1600" dirty="0">
-                <a:cs typeface="Biome Light" panose="020B0303030204020804" pitchFamily="34" charset="0"/>
-              </a:rPr>
-              <a:t>vrlo zahtjevno, potrebni su optimizirani </a:t>
-            </a:r>
-            <a:r>
-              <a:rPr lang="hr-HR" sz="1600" dirty="0" err="1">
-                <a:cs typeface="Biome Light" panose="020B0303030204020804" pitchFamily="34" charset="0"/>
-              </a:rPr>
-              <a:t>bioinformatički</a:t>
-            </a:r>
-            <a:r>
-              <a:rPr lang="hr-HR" sz="1600" dirty="0">
-                <a:cs typeface="Biome Light" panose="020B0303030204020804" pitchFamily="34" charset="0"/>
-              </a:rPr>
-              <a:t> algoritmi za kvalitetan rad</a:t>
-            </a:r>
-            <a:endParaRPr lang="en-US" sz="1600" dirty="0"/>
-          </a:p>
-        </p:txBody>
-      </p:sp>
-      <p:pic>
-        <p:nvPicPr>
-          <p:cNvPr id="4" name="Graphic 3" descr="Microscope with solid fill">
-            <a:extLst>
-              <a:ext uri="{FF2B5EF4-FFF2-40B4-BE49-F238E27FC236}">
-                <a16:creationId xmlns:a16="http://schemas.microsoft.com/office/drawing/2014/main" id="{0953B30D-8991-9AFF-3AA5-33648C3EF488}"/>
-              </a:ext>
-            </a:extLst>
-          </p:cNvPr>
-          <p:cNvPicPr>
-            <a:picLocks noChangeAspect="1"/>
-          </p:cNvPicPr>
-          <p:nvPr/>
-        </p:nvPicPr>
-        <p:blipFill>
-          <a:blip r:embed="rId3">
-            <a:extLst>
-              <a:ext uri="{96DAC541-7B7A-43D3-8B79-37D633B846F1}">
-                <asvg:svgBlip xmlns:asvg="http://schemas.microsoft.com/office/drawing/2016/SVG/main" r:embed="rId4"/>
-              </a:ext>
-            </a:extLst>
-          </a:blip>
-          <a:stretch>
-            <a:fillRect/>
-          </a:stretch>
-        </p:blipFill>
-        <p:spPr>
-          <a:xfrm>
-            <a:off x="749972" y="3527914"/>
-            <a:ext cx="591724" cy="591724"/>
-          </a:xfrm>
-          <a:prstGeom prst="rect">
-            <a:avLst/>
-          </a:prstGeom>
-        </p:spPr>
-      </p:pic>
-      <p:pic>
-        <p:nvPicPr>
-          <p:cNvPr id="6" name="Graphic 5" descr="Programmer female with solid fill">
-            <a:extLst>
-              <a:ext uri="{FF2B5EF4-FFF2-40B4-BE49-F238E27FC236}">
-                <a16:creationId xmlns:a16="http://schemas.microsoft.com/office/drawing/2014/main" id="{55317D8E-6CDB-CD0A-7165-2AB1E3C781FE}"/>
-              </a:ext>
-            </a:extLst>
-          </p:cNvPr>
-          <p:cNvPicPr>
-            <a:picLocks noChangeAspect="1"/>
-          </p:cNvPicPr>
-          <p:nvPr/>
-        </p:nvPicPr>
-        <p:blipFill>
-          <a:blip r:embed="rId5">
-            <a:extLst>
-              <a:ext uri="{96DAC541-7B7A-43D3-8B79-37D633B846F1}">
-                <asvg:svgBlip xmlns:asvg="http://schemas.microsoft.com/office/drawing/2016/SVG/main" r:embed="rId6"/>
-              </a:ext>
-            </a:extLst>
-          </a:blip>
-          <a:stretch>
-            <a:fillRect/>
-          </a:stretch>
-        </p:blipFill>
-        <p:spPr>
-          <a:xfrm>
-            <a:off x="752881" y="4778318"/>
-            <a:ext cx="626672" cy="626672"/>
-          </a:xfrm>
-          <a:prstGeom prst="rect">
-            <a:avLst/>
-          </a:prstGeom>
-        </p:spPr>
-      </p:pic>
-      <p:pic>
-        <p:nvPicPr>
-          <p:cNvPr id="10" name="Graphic 9" descr="DNA with solid fill">
-            <a:extLst>
-              <a:ext uri="{FF2B5EF4-FFF2-40B4-BE49-F238E27FC236}">
-                <a16:creationId xmlns:a16="http://schemas.microsoft.com/office/drawing/2014/main" id="{7DC39234-C78E-1B5D-4147-F320CD8044EF}"/>
-              </a:ext>
-            </a:extLst>
-          </p:cNvPr>
-          <p:cNvPicPr>
-            <a:picLocks noChangeAspect="1"/>
-          </p:cNvPicPr>
-          <p:nvPr/>
-        </p:nvPicPr>
-        <p:blipFill>
-          <a:blip r:embed="rId7">
-            <a:extLst>
-              <a:ext uri="{96DAC541-7B7A-43D3-8B79-37D633B846F1}">
-                <asvg:svgBlip xmlns:asvg="http://schemas.microsoft.com/office/drawing/2016/SVG/main" r:embed="rId8"/>
-              </a:ext>
-            </a:extLst>
-          </a:blip>
-          <a:stretch>
-            <a:fillRect/>
-          </a:stretch>
-        </p:blipFill>
-        <p:spPr>
-          <a:xfrm>
-            <a:off x="770355" y="2192851"/>
-            <a:ext cx="618777" cy="618777"/>
-          </a:xfrm>
-          <a:prstGeom prst="rect">
-            <a:avLst/>
-          </a:prstGeom>
-        </p:spPr>
-      </p:pic>
-      <p:pic>
-        <p:nvPicPr>
-          <p:cNvPr id="14" name="Picture 13">
-            <a:extLst>
-              <a:ext uri="{FF2B5EF4-FFF2-40B4-BE49-F238E27FC236}">
-                <a16:creationId xmlns:a16="http://schemas.microsoft.com/office/drawing/2014/main" id="{36E45F9D-AA65-BF32-AE3B-37752791276B}"/>
-              </a:ext>
-            </a:extLst>
-          </p:cNvPr>
-          <p:cNvPicPr>
-            <a:picLocks noChangeAspect="1"/>
-          </p:cNvPicPr>
-          <p:nvPr/>
-        </p:nvPicPr>
-        <p:blipFill>
-          <a:blip r:embed="rId9"/>
-          <a:stretch>
-            <a:fillRect/>
-          </a:stretch>
-        </p:blipFill>
-        <p:spPr>
-          <a:xfrm>
-            <a:off x="152870" y="5879838"/>
-            <a:ext cx="3191320" cy="885949"/>
-          </a:xfrm>
-          <a:prstGeom prst="rect">
-            <a:avLst/>
-          </a:prstGeom>
-        </p:spPr>
-      </p:pic>
-    </p:spTree>
-    <p:extLst>
-      <p:ext uri="{BB962C8B-B14F-4D97-AF65-F5344CB8AC3E}">
-        <p14:creationId xmlns:p14="http://schemas.microsoft.com/office/powerpoint/2010/main" val="4120671462"/>
       </p:ext>
     </p:extLst>
   </p:cSld>
@@ -13304,7 +14005,7 @@
         </p:blipFill>
         <p:spPr>
           <a:xfrm>
-            <a:off x="1330959" y="177840"/>
+            <a:off x="1298629" y="177840"/>
             <a:ext cx="8810433" cy="4665623"/>
           </a:xfrm>
           <a:prstGeom prst="rect">
@@ -13449,6 +14150,578 @@
           </a:prstGeom>
         </p:spPr>
       </p:pic>
+      <p:sp>
+        <p:nvSpPr>
+          <p:cNvPr id="2" name="Rectangle 1">
+            <a:extLst>
+              <a:ext uri="{FF2B5EF4-FFF2-40B4-BE49-F238E27FC236}">
+                <a16:creationId xmlns:a16="http://schemas.microsoft.com/office/drawing/2014/main" id="{3729FD39-BAF6-D924-6C42-159509B59890}"/>
+              </a:ext>
+            </a:extLst>
+          </p:cNvPr>
+          <p:cNvSpPr/>
+          <p:nvPr/>
+        </p:nvSpPr>
+        <p:spPr>
+          <a:xfrm>
+            <a:off x="9264072" y="3546764"/>
+            <a:ext cx="665019" cy="378691"/>
+          </a:xfrm>
+          <a:prstGeom prst="rect">
+            <a:avLst/>
+          </a:prstGeom>
+          <a:noFill/>
+          <a:ln w="38100">
+            <a:solidFill>
+              <a:srgbClr val="FFFF00"/>
+            </a:solidFill>
+          </a:ln>
+        </p:spPr>
+        <p:style>
+          <a:lnRef idx="2">
+            <a:schemeClr val="accent1">
+              <a:shade val="50000"/>
+            </a:schemeClr>
+          </a:lnRef>
+          <a:fillRef idx="1">
+            <a:schemeClr val="accent1"/>
+          </a:fillRef>
+          <a:effectRef idx="0">
+            <a:schemeClr val="accent1"/>
+          </a:effectRef>
+          <a:fontRef idx="minor">
+            <a:schemeClr val="lt1"/>
+          </a:fontRef>
+        </p:style>
+        <p:txBody>
+          <a:bodyPr rtlCol="0" anchor="ctr"/>
+          <a:lstStyle/>
+          <a:p>
+            <a:pPr algn="ctr"/>
+            <a:endParaRPr lang="hr-HR"/>
+          </a:p>
+        </p:txBody>
+      </p:sp>
+      <p:sp>
+        <p:nvSpPr>
+          <p:cNvPr id="4" name="Rectangle 3">
+            <a:extLst>
+              <a:ext uri="{FF2B5EF4-FFF2-40B4-BE49-F238E27FC236}">
+                <a16:creationId xmlns:a16="http://schemas.microsoft.com/office/drawing/2014/main" id="{D64FACA9-0026-B082-5045-4A4FB27A88A5}"/>
+              </a:ext>
+            </a:extLst>
+          </p:cNvPr>
+          <p:cNvSpPr/>
+          <p:nvPr/>
+        </p:nvSpPr>
+        <p:spPr>
+          <a:xfrm>
+            <a:off x="8511307" y="3112015"/>
+            <a:ext cx="665019" cy="378691"/>
+          </a:xfrm>
+          <a:prstGeom prst="rect">
+            <a:avLst/>
+          </a:prstGeom>
+          <a:noFill/>
+          <a:ln w="38100">
+            <a:solidFill>
+              <a:srgbClr val="FFFF00"/>
+            </a:solidFill>
+          </a:ln>
+        </p:spPr>
+        <p:style>
+          <a:lnRef idx="2">
+            <a:schemeClr val="accent1">
+              <a:shade val="50000"/>
+            </a:schemeClr>
+          </a:lnRef>
+          <a:fillRef idx="1">
+            <a:schemeClr val="accent1"/>
+          </a:fillRef>
+          <a:effectRef idx="0">
+            <a:schemeClr val="accent1"/>
+          </a:effectRef>
+          <a:fontRef idx="minor">
+            <a:schemeClr val="lt1"/>
+          </a:fontRef>
+        </p:style>
+        <p:txBody>
+          <a:bodyPr rtlCol="0" anchor="ctr"/>
+          <a:lstStyle/>
+          <a:p>
+            <a:pPr algn="ctr"/>
+            <a:endParaRPr lang="hr-HR"/>
+          </a:p>
+        </p:txBody>
+      </p:sp>
+      <p:sp>
+        <p:nvSpPr>
+          <p:cNvPr id="5" name="Rectangle 4">
+            <a:extLst>
+              <a:ext uri="{FF2B5EF4-FFF2-40B4-BE49-F238E27FC236}">
+                <a16:creationId xmlns:a16="http://schemas.microsoft.com/office/drawing/2014/main" id="{02240429-6153-EAA3-2267-9F9B1823D18C}"/>
+              </a:ext>
+            </a:extLst>
+          </p:cNvPr>
+          <p:cNvSpPr/>
+          <p:nvPr/>
+        </p:nvSpPr>
+        <p:spPr>
+          <a:xfrm>
+            <a:off x="8511307" y="2618522"/>
+            <a:ext cx="665019" cy="378691"/>
+          </a:xfrm>
+          <a:prstGeom prst="rect">
+            <a:avLst/>
+          </a:prstGeom>
+          <a:noFill/>
+          <a:ln w="38100">
+            <a:solidFill>
+              <a:srgbClr val="FFFF00"/>
+            </a:solidFill>
+          </a:ln>
+        </p:spPr>
+        <p:style>
+          <a:lnRef idx="2">
+            <a:schemeClr val="accent1">
+              <a:shade val="50000"/>
+            </a:schemeClr>
+          </a:lnRef>
+          <a:fillRef idx="1">
+            <a:schemeClr val="accent1"/>
+          </a:fillRef>
+          <a:effectRef idx="0">
+            <a:schemeClr val="accent1"/>
+          </a:effectRef>
+          <a:fontRef idx="minor">
+            <a:schemeClr val="lt1"/>
+          </a:fontRef>
+        </p:style>
+        <p:txBody>
+          <a:bodyPr rtlCol="0" anchor="ctr"/>
+          <a:lstStyle/>
+          <a:p>
+            <a:pPr algn="ctr"/>
+            <a:endParaRPr lang="hr-HR"/>
+          </a:p>
+        </p:txBody>
+      </p:sp>
+      <p:sp>
+        <p:nvSpPr>
+          <p:cNvPr id="8" name="Rectangle 7">
+            <a:extLst>
+              <a:ext uri="{FF2B5EF4-FFF2-40B4-BE49-F238E27FC236}">
+                <a16:creationId xmlns:a16="http://schemas.microsoft.com/office/drawing/2014/main" id="{662AB0C1-F4D8-9F9B-E94E-59FCDFDA4202}"/>
+              </a:ext>
+            </a:extLst>
+          </p:cNvPr>
+          <p:cNvSpPr/>
+          <p:nvPr/>
+        </p:nvSpPr>
+        <p:spPr>
+          <a:xfrm>
+            <a:off x="7652327" y="2185708"/>
+            <a:ext cx="665019" cy="378691"/>
+          </a:xfrm>
+          <a:prstGeom prst="rect">
+            <a:avLst/>
+          </a:prstGeom>
+          <a:noFill/>
+          <a:ln w="38100">
+            <a:solidFill>
+              <a:srgbClr val="FFFF00"/>
+            </a:solidFill>
+          </a:ln>
+        </p:spPr>
+        <p:style>
+          <a:lnRef idx="2">
+            <a:schemeClr val="accent1">
+              <a:shade val="50000"/>
+            </a:schemeClr>
+          </a:lnRef>
+          <a:fillRef idx="1">
+            <a:schemeClr val="accent1"/>
+          </a:fillRef>
+          <a:effectRef idx="0">
+            <a:schemeClr val="accent1"/>
+          </a:effectRef>
+          <a:fontRef idx="minor">
+            <a:schemeClr val="lt1"/>
+          </a:fontRef>
+        </p:style>
+        <p:txBody>
+          <a:bodyPr rtlCol="0" anchor="ctr"/>
+          <a:lstStyle/>
+          <a:p>
+            <a:pPr algn="ctr"/>
+            <a:endParaRPr lang="hr-HR"/>
+          </a:p>
+        </p:txBody>
+      </p:sp>
+      <p:sp>
+        <p:nvSpPr>
+          <p:cNvPr id="9" name="Rectangle 8">
+            <a:extLst>
+              <a:ext uri="{FF2B5EF4-FFF2-40B4-BE49-F238E27FC236}">
+                <a16:creationId xmlns:a16="http://schemas.microsoft.com/office/drawing/2014/main" id="{1DE1F533-9442-83D6-EF11-1ED2F10514DF}"/>
+              </a:ext>
+            </a:extLst>
+          </p:cNvPr>
+          <p:cNvSpPr/>
+          <p:nvPr/>
+        </p:nvSpPr>
+        <p:spPr>
+          <a:xfrm>
+            <a:off x="6876472" y="1807017"/>
+            <a:ext cx="665019" cy="378691"/>
+          </a:xfrm>
+          <a:prstGeom prst="rect">
+            <a:avLst/>
+          </a:prstGeom>
+          <a:noFill/>
+          <a:ln w="38100">
+            <a:solidFill>
+              <a:srgbClr val="FFFF00"/>
+            </a:solidFill>
+          </a:ln>
+        </p:spPr>
+        <p:style>
+          <a:lnRef idx="2">
+            <a:schemeClr val="accent1">
+              <a:shade val="50000"/>
+            </a:schemeClr>
+          </a:lnRef>
+          <a:fillRef idx="1">
+            <a:schemeClr val="accent1"/>
+          </a:fillRef>
+          <a:effectRef idx="0">
+            <a:schemeClr val="accent1"/>
+          </a:effectRef>
+          <a:fontRef idx="minor">
+            <a:schemeClr val="lt1"/>
+          </a:fontRef>
+        </p:style>
+        <p:txBody>
+          <a:bodyPr rtlCol="0" anchor="ctr"/>
+          <a:lstStyle/>
+          <a:p>
+            <a:pPr algn="ctr"/>
+            <a:endParaRPr lang="hr-HR"/>
+          </a:p>
+        </p:txBody>
+      </p:sp>
+      <p:sp>
+        <p:nvSpPr>
+          <p:cNvPr id="10" name="Rectangle 9">
+            <a:extLst>
+              <a:ext uri="{FF2B5EF4-FFF2-40B4-BE49-F238E27FC236}">
+                <a16:creationId xmlns:a16="http://schemas.microsoft.com/office/drawing/2014/main" id="{8B6625BE-25B1-32A4-0F2D-977511B2DA46}"/>
+              </a:ext>
+            </a:extLst>
+          </p:cNvPr>
+          <p:cNvSpPr/>
+          <p:nvPr/>
+        </p:nvSpPr>
+        <p:spPr>
+          <a:xfrm>
+            <a:off x="6123708" y="1336615"/>
+            <a:ext cx="665019" cy="378691"/>
+          </a:xfrm>
+          <a:prstGeom prst="rect">
+            <a:avLst/>
+          </a:prstGeom>
+          <a:noFill/>
+          <a:ln w="38100">
+            <a:solidFill>
+              <a:srgbClr val="FFFF00"/>
+            </a:solidFill>
+          </a:ln>
+        </p:spPr>
+        <p:style>
+          <a:lnRef idx="2">
+            <a:schemeClr val="accent1">
+              <a:shade val="50000"/>
+            </a:schemeClr>
+          </a:lnRef>
+          <a:fillRef idx="1">
+            <a:schemeClr val="accent1"/>
+          </a:fillRef>
+          <a:effectRef idx="0">
+            <a:schemeClr val="accent1"/>
+          </a:effectRef>
+          <a:fontRef idx="minor">
+            <a:schemeClr val="lt1"/>
+          </a:fontRef>
+        </p:style>
+        <p:txBody>
+          <a:bodyPr rtlCol="0" anchor="ctr"/>
+          <a:lstStyle/>
+          <a:p>
+            <a:pPr algn="ctr"/>
+            <a:endParaRPr lang="hr-HR"/>
+          </a:p>
+        </p:txBody>
+      </p:sp>
+      <p:sp>
+        <p:nvSpPr>
+          <p:cNvPr id="11" name="Rectangle 10">
+            <a:extLst>
+              <a:ext uri="{FF2B5EF4-FFF2-40B4-BE49-F238E27FC236}">
+                <a16:creationId xmlns:a16="http://schemas.microsoft.com/office/drawing/2014/main" id="{3796514C-5A48-2D90-E0D4-150F027A3442}"/>
+              </a:ext>
+            </a:extLst>
+          </p:cNvPr>
+          <p:cNvSpPr/>
+          <p:nvPr/>
+        </p:nvSpPr>
+        <p:spPr>
+          <a:xfrm>
+            <a:off x="5371337" y="957924"/>
+            <a:ext cx="665019" cy="378691"/>
+          </a:xfrm>
+          <a:prstGeom prst="rect">
+            <a:avLst/>
+          </a:prstGeom>
+          <a:noFill/>
+          <a:ln w="38100">
+            <a:solidFill>
+              <a:srgbClr val="FFFF00"/>
+            </a:solidFill>
+          </a:ln>
+        </p:spPr>
+        <p:style>
+          <a:lnRef idx="2">
+            <a:schemeClr val="accent1">
+              <a:shade val="50000"/>
+            </a:schemeClr>
+          </a:lnRef>
+          <a:fillRef idx="1">
+            <a:schemeClr val="accent1"/>
+          </a:fillRef>
+          <a:effectRef idx="0">
+            <a:schemeClr val="accent1"/>
+          </a:effectRef>
+          <a:fontRef idx="minor">
+            <a:schemeClr val="lt1"/>
+          </a:fontRef>
+        </p:style>
+        <p:txBody>
+          <a:bodyPr rtlCol="0" anchor="ctr"/>
+          <a:lstStyle/>
+          <a:p>
+            <a:pPr algn="ctr"/>
+            <a:endParaRPr lang="hr-HR"/>
+          </a:p>
+        </p:txBody>
+      </p:sp>
+      <p:sp>
+        <p:nvSpPr>
+          <p:cNvPr id="12" name="Rectangle 11">
+            <a:extLst>
+              <a:ext uri="{FF2B5EF4-FFF2-40B4-BE49-F238E27FC236}">
+                <a16:creationId xmlns:a16="http://schemas.microsoft.com/office/drawing/2014/main" id="{0DD865E0-BF1A-CC70-DDB4-26493DD110D9}"/>
+              </a:ext>
+            </a:extLst>
+          </p:cNvPr>
+          <p:cNvSpPr/>
+          <p:nvPr/>
+        </p:nvSpPr>
+        <p:spPr>
+          <a:xfrm>
+            <a:off x="3750748" y="573982"/>
+            <a:ext cx="665019" cy="265197"/>
+          </a:xfrm>
+          <a:prstGeom prst="rect">
+            <a:avLst/>
+          </a:prstGeom>
+          <a:noFill/>
+          <a:ln w="38100">
+            <a:solidFill>
+              <a:srgbClr val="FFFF00"/>
+            </a:solidFill>
+          </a:ln>
+        </p:spPr>
+        <p:style>
+          <a:lnRef idx="2">
+            <a:schemeClr val="accent1">
+              <a:shade val="50000"/>
+            </a:schemeClr>
+          </a:lnRef>
+          <a:fillRef idx="1">
+            <a:schemeClr val="accent1"/>
+          </a:fillRef>
+          <a:effectRef idx="0">
+            <a:schemeClr val="accent1"/>
+          </a:effectRef>
+          <a:fontRef idx="minor">
+            <a:schemeClr val="lt1"/>
+          </a:fontRef>
+        </p:style>
+        <p:txBody>
+          <a:bodyPr rtlCol="0" anchor="ctr"/>
+          <a:lstStyle/>
+          <a:p>
+            <a:pPr algn="ctr"/>
+            <a:endParaRPr lang="hr-HR"/>
+          </a:p>
+        </p:txBody>
+      </p:sp>
+      <p:sp>
+        <p:nvSpPr>
+          <p:cNvPr id="13" name="Rectangle 12">
+            <a:extLst>
+              <a:ext uri="{FF2B5EF4-FFF2-40B4-BE49-F238E27FC236}">
+                <a16:creationId xmlns:a16="http://schemas.microsoft.com/office/drawing/2014/main" id="{9B5ADE43-007A-BF07-2563-2ACF2095B3BF}"/>
+              </a:ext>
+            </a:extLst>
+          </p:cNvPr>
+          <p:cNvSpPr/>
+          <p:nvPr/>
+        </p:nvSpPr>
+        <p:spPr>
+          <a:xfrm>
+            <a:off x="2984129" y="566073"/>
+            <a:ext cx="665019" cy="265197"/>
+          </a:xfrm>
+          <a:prstGeom prst="rect">
+            <a:avLst/>
+          </a:prstGeom>
+          <a:noFill/>
+          <a:ln w="38100">
+            <a:solidFill>
+              <a:srgbClr val="FFFF00"/>
+            </a:solidFill>
+          </a:ln>
+        </p:spPr>
+        <p:style>
+          <a:lnRef idx="2">
+            <a:schemeClr val="accent1">
+              <a:shade val="50000"/>
+            </a:schemeClr>
+          </a:lnRef>
+          <a:fillRef idx="1">
+            <a:schemeClr val="accent1"/>
+          </a:fillRef>
+          <a:effectRef idx="0">
+            <a:schemeClr val="accent1"/>
+          </a:effectRef>
+          <a:fontRef idx="minor">
+            <a:schemeClr val="lt1"/>
+          </a:fontRef>
+        </p:style>
+        <p:txBody>
+          <a:bodyPr rtlCol="0" anchor="ctr"/>
+          <a:lstStyle/>
+          <a:p>
+            <a:pPr algn="ctr"/>
+            <a:endParaRPr lang="hr-HR"/>
+          </a:p>
+        </p:txBody>
+      </p:sp>
+      <p:sp>
+        <p:nvSpPr>
+          <p:cNvPr id="14" name="Rectangle 13">
+            <a:extLst>
+              <a:ext uri="{FF2B5EF4-FFF2-40B4-BE49-F238E27FC236}">
+                <a16:creationId xmlns:a16="http://schemas.microsoft.com/office/drawing/2014/main" id="{01BF83D2-95EB-FDBE-AC37-DFDE76E768BE}"/>
+              </a:ext>
+            </a:extLst>
+          </p:cNvPr>
+          <p:cNvSpPr/>
+          <p:nvPr/>
+        </p:nvSpPr>
+        <p:spPr>
+          <a:xfrm>
+            <a:off x="4618966" y="554181"/>
+            <a:ext cx="665019" cy="265197"/>
+          </a:xfrm>
+          <a:prstGeom prst="rect">
+            <a:avLst/>
+          </a:prstGeom>
+          <a:noFill/>
+          <a:ln w="38100">
+            <a:solidFill>
+              <a:srgbClr val="FFFF00"/>
+            </a:solidFill>
+          </a:ln>
+        </p:spPr>
+        <p:style>
+          <a:lnRef idx="2">
+            <a:schemeClr val="accent1">
+              <a:shade val="50000"/>
+            </a:schemeClr>
+          </a:lnRef>
+          <a:fillRef idx="1">
+            <a:schemeClr val="accent1"/>
+          </a:fillRef>
+          <a:effectRef idx="0">
+            <a:schemeClr val="accent1"/>
+          </a:effectRef>
+          <a:fontRef idx="minor">
+            <a:schemeClr val="lt1"/>
+          </a:fontRef>
+        </p:style>
+        <p:txBody>
+          <a:bodyPr rtlCol="0" anchor="ctr"/>
+          <a:lstStyle/>
+          <a:p>
+            <a:pPr algn="ctr"/>
+            <a:endParaRPr lang="hr-HR"/>
+          </a:p>
+        </p:txBody>
+      </p:sp>
+      <p:sp>
+        <p:nvSpPr>
+          <p:cNvPr id="15" name="Rectangle 14">
+            <a:extLst>
+              <a:ext uri="{FF2B5EF4-FFF2-40B4-BE49-F238E27FC236}">
+                <a16:creationId xmlns:a16="http://schemas.microsoft.com/office/drawing/2014/main" id="{3DF2D772-9271-A553-469D-501616BBCB9F}"/>
+              </a:ext>
+            </a:extLst>
+          </p:cNvPr>
+          <p:cNvSpPr/>
+          <p:nvPr/>
+        </p:nvSpPr>
+        <p:spPr>
+          <a:xfrm>
+            <a:off x="2192179" y="549561"/>
+            <a:ext cx="665019" cy="265197"/>
+          </a:xfrm>
+          <a:prstGeom prst="rect">
+            <a:avLst/>
+          </a:prstGeom>
+          <a:noFill/>
+          <a:ln w="38100">
+            <a:solidFill>
+              <a:srgbClr val="FFFF00"/>
+            </a:solidFill>
+          </a:ln>
+        </p:spPr>
+        <p:style>
+          <a:lnRef idx="2">
+            <a:schemeClr val="accent1">
+              <a:shade val="50000"/>
+            </a:schemeClr>
+          </a:lnRef>
+          <a:fillRef idx="1">
+            <a:schemeClr val="accent1"/>
+          </a:fillRef>
+          <a:effectRef idx="0">
+            <a:schemeClr val="accent1"/>
+          </a:effectRef>
+          <a:fontRef idx="minor">
+            <a:schemeClr val="lt1"/>
+          </a:fontRef>
+        </p:style>
+        <p:txBody>
+          <a:bodyPr rtlCol="0" anchor="ctr"/>
+          <a:lstStyle/>
+          <a:p>
+            <a:pPr algn="ctr"/>
+            <a:endParaRPr lang="hr-HR"/>
+          </a:p>
+        </p:txBody>
+      </p:sp>
     </p:spTree>
     <p:extLst>
       <p:ext uri="{BB962C8B-B14F-4D97-AF65-F5344CB8AC3E}">
@@ -13513,7 +14786,7 @@
           <a:p>
             <a:r>
               <a:rPr lang="hr-HR" dirty="0"/>
-              <a:t>Algoritmi poravnanja</a:t>
+              <a:t>Lokalno poravnanje</a:t>
             </a:r>
             <a:endParaRPr lang="en-US" dirty="0"/>
           </a:p>
@@ -13547,8 +14820,13 @@
           <a:p>
             <a:r>
               <a:rPr lang="hr-HR" dirty="0"/>
-              <a:t>Lokalno – Smith-Waterm</a:t>
-            </a:r>
+              <a:t>Smith-</a:t>
+            </a:r>
+            <a:r>
+              <a:rPr lang="hr-HR" dirty="0" err="1"/>
+              <a:t>Waterman</a:t>
+            </a:r>
+            <a:endParaRPr lang="hr-HR" dirty="0"/>
           </a:p>
           <a:p>
             <a:r>
@@ -13885,6 +15163,318 @@
           </a:prstGeom>
         </p:spPr>
       </p:pic>
+      <p:sp>
+        <p:nvSpPr>
+          <p:cNvPr id="2" name="Rectangle 1">
+            <a:extLst>
+              <a:ext uri="{FF2B5EF4-FFF2-40B4-BE49-F238E27FC236}">
+                <a16:creationId xmlns:a16="http://schemas.microsoft.com/office/drawing/2014/main" id="{9D04C01A-5DF7-D435-0D2E-7C88AC49523B}"/>
+              </a:ext>
+            </a:extLst>
+          </p:cNvPr>
+          <p:cNvSpPr/>
+          <p:nvPr/>
+        </p:nvSpPr>
+        <p:spPr>
+          <a:xfrm>
+            <a:off x="9885082" y="3528290"/>
+            <a:ext cx="665019" cy="265197"/>
+          </a:xfrm>
+          <a:prstGeom prst="rect">
+            <a:avLst/>
+          </a:prstGeom>
+          <a:noFill/>
+          <a:ln w="38100">
+            <a:solidFill>
+              <a:srgbClr val="FFFF00"/>
+            </a:solidFill>
+          </a:ln>
+        </p:spPr>
+        <p:style>
+          <a:lnRef idx="2">
+            <a:schemeClr val="accent1">
+              <a:shade val="50000"/>
+            </a:schemeClr>
+          </a:lnRef>
+          <a:fillRef idx="1">
+            <a:schemeClr val="accent1"/>
+          </a:fillRef>
+          <a:effectRef idx="0">
+            <a:schemeClr val="accent1"/>
+          </a:effectRef>
+          <a:fontRef idx="minor">
+            <a:schemeClr val="lt1"/>
+          </a:fontRef>
+        </p:style>
+        <p:txBody>
+          <a:bodyPr rtlCol="0" anchor="ctr"/>
+          <a:lstStyle/>
+          <a:p>
+            <a:pPr algn="ctr"/>
+            <a:endParaRPr lang="hr-HR"/>
+          </a:p>
+        </p:txBody>
+      </p:sp>
+      <p:sp>
+        <p:nvSpPr>
+          <p:cNvPr id="4" name="Rectangle 3">
+            <a:extLst>
+              <a:ext uri="{FF2B5EF4-FFF2-40B4-BE49-F238E27FC236}">
+                <a16:creationId xmlns:a16="http://schemas.microsoft.com/office/drawing/2014/main" id="{B963FF8D-EFDE-6619-F3D6-6D4F9DECA3A8}"/>
+              </a:ext>
+            </a:extLst>
+          </p:cNvPr>
+          <p:cNvSpPr/>
+          <p:nvPr/>
+        </p:nvSpPr>
+        <p:spPr>
+          <a:xfrm>
+            <a:off x="9080129" y="3020290"/>
+            <a:ext cx="665019" cy="265197"/>
+          </a:xfrm>
+          <a:prstGeom prst="rect">
+            <a:avLst/>
+          </a:prstGeom>
+          <a:noFill/>
+          <a:ln w="38100">
+            <a:solidFill>
+              <a:srgbClr val="FFFF00"/>
+            </a:solidFill>
+          </a:ln>
+        </p:spPr>
+        <p:style>
+          <a:lnRef idx="2">
+            <a:schemeClr val="accent1">
+              <a:shade val="50000"/>
+            </a:schemeClr>
+          </a:lnRef>
+          <a:fillRef idx="1">
+            <a:schemeClr val="accent1"/>
+          </a:fillRef>
+          <a:effectRef idx="0">
+            <a:schemeClr val="accent1"/>
+          </a:effectRef>
+          <a:fontRef idx="minor">
+            <a:schemeClr val="lt1"/>
+          </a:fontRef>
+        </p:style>
+        <p:txBody>
+          <a:bodyPr rtlCol="0" anchor="ctr"/>
+          <a:lstStyle/>
+          <a:p>
+            <a:pPr algn="ctr"/>
+            <a:endParaRPr lang="hr-HR"/>
+          </a:p>
+        </p:txBody>
+      </p:sp>
+      <p:sp>
+        <p:nvSpPr>
+          <p:cNvPr id="5" name="Rectangle 4">
+            <a:extLst>
+              <a:ext uri="{FF2B5EF4-FFF2-40B4-BE49-F238E27FC236}">
+                <a16:creationId xmlns:a16="http://schemas.microsoft.com/office/drawing/2014/main" id="{D05951AC-CD55-641F-4624-204F58609D8A}"/>
+              </a:ext>
+            </a:extLst>
+          </p:cNvPr>
+          <p:cNvSpPr/>
+          <p:nvPr/>
+        </p:nvSpPr>
+        <p:spPr>
+          <a:xfrm>
+            <a:off x="8221148" y="2558472"/>
+            <a:ext cx="665019" cy="265197"/>
+          </a:xfrm>
+          <a:prstGeom prst="rect">
+            <a:avLst/>
+          </a:prstGeom>
+          <a:noFill/>
+          <a:ln w="38100">
+            <a:solidFill>
+              <a:srgbClr val="FFFF00"/>
+            </a:solidFill>
+          </a:ln>
+        </p:spPr>
+        <p:style>
+          <a:lnRef idx="2">
+            <a:schemeClr val="accent1">
+              <a:shade val="50000"/>
+            </a:schemeClr>
+          </a:lnRef>
+          <a:fillRef idx="1">
+            <a:schemeClr val="accent1"/>
+          </a:fillRef>
+          <a:effectRef idx="0">
+            <a:schemeClr val="accent1"/>
+          </a:effectRef>
+          <a:fontRef idx="minor">
+            <a:schemeClr val="lt1"/>
+          </a:fontRef>
+        </p:style>
+        <p:txBody>
+          <a:bodyPr rtlCol="0" anchor="ctr"/>
+          <a:lstStyle/>
+          <a:p>
+            <a:pPr algn="ctr"/>
+            <a:endParaRPr lang="hr-HR"/>
+          </a:p>
+        </p:txBody>
+      </p:sp>
+      <p:sp>
+        <p:nvSpPr>
+          <p:cNvPr id="6" name="Rectangle 5">
+            <a:extLst>
+              <a:ext uri="{FF2B5EF4-FFF2-40B4-BE49-F238E27FC236}">
+                <a16:creationId xmlns:a16="http://schemas.microsoft.com/office/drawing/2014/main" id="{46966EFE-1476-7587-E4C2-C212D67C009C}"/>
+              </a:ext>
+            </a:extLst>
+          </p:cNvPr>
+          <p:cNvSpPr/>
+          <p:nvPr/>
+        </p:nvSpPr>
+        <p:spPr>
+          <a:xfrm>
+            <a:off x="7399112" y="2558472"/>
+            <a:ext cx="665019" cy="265197"/>
+          </a:xfrm>
+          <a:prstGeom prst="rect">
+            <a:avLst/>
+          </a:prstGeom>
+          <a:noFill/>
+          <a:ln w="38100">
+            <a:solidFill>
+              <a:srgbClr val="FFFF00"/>
+            </a:solidFill>
+          </a:ln>
+        </p:spPr>
+        <p:style>
+          <a:lnRef idx="2">
+            <a:schemeClr val="accent1">
+              <a:shade val="50000"/>
+            </a:schemeClr>
+          </a:lnRef>
+          <a:fillRef idx="1">
+            <a:schemeClr val="accent1"/>
+          </a:fillRef>
+          <a:effectRef idx="0">
+            <a:schemeClr val="accent1"/>
+          </a:effectRef>
+          <a:fontRef idx="minor">
+            <a:schemeClr val="lt1"/>
+          </a:fontRef>
+        </p:style>
+        <p:txBody>
+          <a:bodyPr rtlCol="0" anchor="ctr"/>
+          <a:lstStyle/>
+          <a:p>
+            <a:pPr algn="ctr"/>
+            <a:endParaRPr lang="hr-HR"/>
+          </a:p>
+        </p:txBody>
+      </p:sp>
+      <p:sp>
+        <p:nvSpPr>
+          <p:cNvPr id="7" name="Rectangle 6">
+            <a:extLst>
+              <a:ext uri="{FF2B5EF4-FFF2-40B4-BE49-F238E27FC236}">
+                <a16:creationId xmlns:a16="http://schemas.microsoft.com/office/drawing/2014/main" id="{4EA0962C-B9BB-F975-B025-2F2A522C5720}"/>
+              </a:ext>
+            </a:extLst>
+          </p:cNvPr>
+          <p:cNvSpPr/>
+          <p:nvPr/>
+        </p:nvSpPr>
+        <p:spPr>
+          <a:xfrm>
+            <a:off x="6614020" y="2096654"/>
+            <a:ext cx="665019" cy="265197"/>
+          </a:xfrm>
+          <a:prstGeom prst="rect">
+            <a:avLst/>
+          </a:prstGeom>
+          <a:noFill/>
+          <a:ln w="38100">
+            <a:solidFill>
+              <a:srgbClr val="FFFF00"/>
+            </a:solidFill>
+          </a:ln>
+        </p:spPr>
+        <p:style>
+          <a:lnRef idx="2">
+            <a:schemeClr val="accent1">
+              <a:shade val="50000"/>
+            </a:schemeClr>
+          </a:lnRef>
+          <a:fillRef idx="1">
+            <a:schemeClr val="accent1"/>
+          </a:fillRef>
+          <a:effectRef idx="0">
+            <a:schemeClr val="accent1"/>
+          </a:effectRef>
+          <a:fontRef idx="minor">
+            <a:schemeClr val="lt1"/>
+          </a:fontRef>
+        </p:style>
+        <p:txBody>
+          <a:bodyPr rtlCol="0" anchor="ctr"/>
+          <a:lstStyle/>
+          <a:p>
+            <a:pPr algn="ctr"/>
+            <a:endParaRPr lang="hr-HR"/>
+          </a:p>
+        </p:txBody>
+      </p:sp>
+      <p:sp>
+        <p:nvSpPr>
+          <p:cNvPr id="8" name="Rectangle 7">
+            <a:extLst>
+              <a:ext uri="{FF2B5EF4-FFF2-40B4-BE49-F238E27FC236}">
+                <a16:creationId xmlns:a16="http://schemas.microsoft.com/office/drawing/2014/main" id="{BF72AAA0-3EC3-C1D8-E969-8541F09F1E0F}"/>
+              </a:ext>
+            </a:extLst>
+          </p:cNvPr>
+          <p:cNvSpPr/>
+          <p:nvPr/>
+        </p:nvSpPr>
+        <p:spPr>
+          <a:xfrm>
+            <a:off x="5763490" y="1653308"/>
+            <a:ext cx="665019" cy="265197"/>
+          </a:xfrm>
+          <a:prstGeom prst="rect">
+            <a:avLst/>
+          </a:prstGeom>
+          <a:noFill/>
+          <a:ln w="38100">
+            <a:solidFill>
+              <a:srgbClr val="FFFF00"/>
+            </a:solidFill>
+          </a:ln>
+        </p:spPr>
+        <p:style>
+          <a:lnRef idx="2">
+            <a:schemeClr val="accent1">
+              <a:shade val="50000"/>
+            </a:schemeClr>
+          </a:lnRef>
+          <a:fillRef idx="1">
+            <a:schemeClr val="accent1"/>
+          </a:fillRef>
+          <a:effectRef idx="0">
+            <a:schemeClr val="accent1"/>
+          </a:effectRef>
+          <a:fontRef idx="minor">
+            <a:schemeClr val="lt1"/>
+          </a:fontRef>
+        </p:style>
+        <p:txBody>
+          <a:bodyPr rtlCol="0" anchor="ctr"/>
+          <a:lstStyle/>
+          <a:p>
+            <a:pPr algn="ctr"/>
+            <a:endParaRPr lang="hr-HR"/>
+          </a:p>
+        </p:txBody>
+      </p:sp>
     </p:spTree>
     <p:extLst>
       <p:ext uri="{BB962C8B-B14F-4D97-AF65-F5344CB8AC3E}">
@@ -14026,10 +15616,10 @@
       </p:sp>
       <p:pic>
         <p:nvPicPr>
-          <p:cNvPr id="7" name="Picture 6">
-            <a:extLst>
-              <a:ext uri="{FF2B5EF4-FFF2-40B4-BE49-F238E27FC236}">
-                <a16:creationId xmlns:a16="http://schemas.microsoft.com/office/drawing/2014/main" id="{E1DBF65D-65F8-8FB1-A39E-FAFBADF632DA}"/>
+          <p:cNvPr id="10" name="Picture 9">
+            <a:extLst>
+              <a:ext uri="{FF2B5EF4-FFF2-40B4-BE49-F238E27FC236}">
+                <a16:creationId xmlns:a16="http://schemas.microsoft.com/office/drawing/2014/main" id="{032B7FBE-75F1-B655-A09B-C88C7F837084}"/>
               </a:ext>
             </a:extLst>
           </p:cNvPr>
@@ -14046,8 +15636,8 @@
         </p:blipFill>
         <p:spPr>
           <a:xfrm>
-            <a:off x="3640410" y="1636210"/>
-            <a:ext cx="7891190" cy="4478930"/>
+            <a:off x="318928" y="4943298"/>
+            <a:ext cx="2522439" cy="1767993"/>
           </a:xfrm>
           <a:prstGeom prst="rect">
             <a:avLst/>
@@ -14056,10 +15646,10 @@
       </p:pic>
       <p:pic>
         <p:nvPicPr>
-          <p:cNvPr id="10" name="Picture 9">
-            <a:extLst>
-              <a:ext uri="{FF2B5EF4-FFF2-40B4-BE49-F238E27FC236}">
-                <a16:creationId xmlns:a16="http://schemas.microsoft.com/office/drawing/2014/main" id="{032B7FBE-75F1-B655-A09B-C88C7F837084}"/>
+          <p:cNvPr id="3" name="Picture 2">
+            <a:extLst>
+              <a:ext uri="{FF2B5EF4-FFF2-40B4-BE49-F238E27FC236}">
+                <a16:creationId xmlns:a16="http://schemas.microsoft.com/office/drawing/2014/main" id="{F89244D6-41CB-BC9E-18E3-49BDC0BE8D7A}"/>
               </a:ext>
             </a:extLst>
           </p:cNvPr>
@@ -14076,8 +15666,8 @@
         </p:blipFill>
         <p:spPr>
           <a:xfrm>
-            <a:off x="318928" y="4943298"/>
-            <a:ext cx="2522439" cy="1767993"/>
+            <a:off x="3256009" y="1593812"/>
+            <a:ext cx="8871275" cy="5117479"/>
           </a:xfrm>
           <a:prstGeom prst="rect">
             <a:avLst/>
@@ -15107,20 +16697,20 @@
 </file>
 
 <file path=customXml/item2.xml><?xml version="1.0" encoding="utf-8"?>
-<p:properties xmlns:p="http://schemas.microsoft.com/office/2006/metadata/properties" xmlns:xsi="http://www.w3.org/2001/XMLSchema-instance" xmlns:pc="http://schemas.microsoft.com/office/infopath/2007/PartnerControls">
-  <documentManagement>
-    <_activity xmlns="cd8c076a-3dde-4dd5-9535-c65fb9dab8d6" xsi:nil="true"/>
-  </documentManagement>
-</p:properties>
-</file>
-
-<file path=customXml/item3.xml><?xml version="1.0" encoding="utf-8"?>
 <?mso-contentType ?>
 <FormTemplates xmlns="http://schemas.microsoft.com/sharepoint/v3/contenttype/forms">
   <Display>DocumentLibraryForm</Display>
   <Edit>DocumentLibraryForm</Edit>
   <New>DocumentLibraryForm</New>
 </FormTemplates>
+</file>
+
+<file path=customXml/item3.xml><?xml version="1.0" encoding="utf-8"?>
+<p:properties xmlns:p="http://schemas.microsoft.com/office/2006/metadata/properties" xmlns:xsi="http://www.w3.org/2001/XMLSchema-instance" xmlns:pc="http://schemas.microsoft.com/office/infopath/2007/PartnerControls">
+  <documentManagement>
+    <_activity xmlns="cd8c076a-3dde-4dd5-9535-c65fb9dab8d6" xsi:nil="true"/>
+  </documentManagement>
+</p:properties>
 </file>
 
 <file path=customXml/itemProps1.xml><?xml version="1.0" encoding="utf-8"?>
@@ -15142,6 +16732,14 @@
 </file>
 
 <file path=customXml/itemProps2.xml><?xml version="1.0" encoding="utf-8"?>
+<ds:datastoreItem xmlns:ds="http://schemas.openxmlformats.org/officeDocument/2006/customXml" ds:itemID="{05D99ABA-76CE-4A8E-B5F0-C051B96628DE}">
+  <ds:schemaRefs>
+    <ds:schemaRef ds:uri="http://schemas.microsoft.com/sharepoint/v3/contenttype/forms"/>
+  </ds:schemaRefs>
+</ds:datastoreItem>
+</file>
+
+<file path=customXml/itemProps3.xml><?xml version="1.0" encoding="utf-8"?>
 <ds:datastoreItem xmlns:ds="http://schemas.openxmlformats.org/officeDocument/2006/customXml" ds:itemID="{4DEA9014-ED64-4558-B1E1-D03F0EE32BEB}">
   <ds:schemaRefs>
     <ds:schemaRef ds:uri="http://schemas.microsoft.com/office/2006/documentManagement/types"/>
@@ -15155,12 +16753,4 @@
     <ds:schemaRef ds:uri="cd8c076a-3dde-4dd5-9535-c65fb9dab8d6"/>
   </ds:schemaRefs>
 </ds:datastoreItem>
-</file>
-
-<file path=customXml/itemProps3.xml><?xml version="1.0" encoding="utf-8"?>
-<ds:datastoreItem xmlns:ds="http://schemas.openxmlformats.org/officeDocument/2006/customXml" ds:itemID="{05D99ABA-76CE-4A8E-B5F0-C051B96628DE}">
-  <ds:schemaRefs>
-    <ds:schemaRef ds:uri="http://schemas.microsoft.com/sharepoint/v3/contenttype/forms"/>
-  </ds:schemaRefs>
-</ds:datastoreItem>
 </file>
--- a/Alati_za_poravnanje_ocitanja_na_referntni_genom.pptx
+++ b/Alati_za_poravnanje_ocitanja_na_referntni_genom.pptx
@@ -11406,10 +11406,10 @@
       </p:sp>
       <p:pic>
         <p:nvPicPr>
-          <p:cNvPr id="13" name="Picture 12">
-            <a:extLst>
-              <a:ext uri="{FF2B5EF4-FFF2-40B4-BE49-F238E27FC236}">
-                <a16:creationId xmlns:a16="http://schemas.microsoft.com/office/drawing/2014/main" id="{90A64453-0A95-7391-6DE5-5D50C6503077}"/>
+          <p:cNvPr id="15" name="Picture 14">
+            <a:extLst>
+              <a:ext uri="{FF2B5EF4-FFF2-40B4-BE49-F238E27FC236}">
+                <a16:creationId xmlns:a16="http://schemas.microsoft.com/office/drawing/2014/main" id="{E533D4EF-FDA8-65A0-6DB4-7B5C20D3EF3E}"/>
               </a:ext>
             </a:extLst>
           </p:cNvPr>
@@ -11426,8 +11426,8 @@
         </p:blipFill>
         <p:spPr>
           <a:xfrm>
-            <a:off x="660400" y="4495800"/>
-            <a:ext cx="10371719" cy="327688"/>
+            <a:off x="304800" y="5905961"/>
+            <a:ext cx="3341437" cy="781331"/>
           </a:xfrm>
           <a:prstGeom prst="rect">
             <a:avLst/>
@@ -11436,10 +11436,10 @@
       </p:pic>
       <p:pic>
         <p:nvPicPr>
-          <p:cNvPr id="15" name="Picture 14">
-            <a:extLst>
-              <a:ext uri="{FF2B5EF4-FFF2-40B4-BE49-F238E27FC236}">
-                <a16:creationId xmlns:a16="http://schemas.microsoft.com/office/drawing/2014/main" id="{E533D4EF-FDA8-65A0-6DB4-7B5C20D3EF3E}"/>
+          <p:cNvPr id="4" name="Picture 3">
+            <a:extLst>
+              <a:ext uri="{FF2B5EF4-FFF2-40B4-BE49-F238E27FC236}">
+                <a16:creationId xmlns:a16="http://schemas.microsoft.com/office/drawing/2014/main" id="{D8940FED-1DE9-BE78-E929-AA966234E79F}"/>
               </a:ext>
             </a:extLst>
           </p:cNvPr>
@@ -11456,8 +11456,8 @@
         </p:blipFill>
         <p:spPr>
           <a:xfrm>
-            <a:off x="304800" y="5905961"/>
-            <a:ext cx="3341437" cy="781331"/>
+            <a:off x="773118" y="4877516"/>
+            <a:ext cx="10645763" cy="384294"/>
           </a:xfrm>
           <a:prstGeom prst="rect">
             <a:avLst/>
@@ -11574,7 +11574,7 @@
           <a:p>
             <a:r>
               <a:rPr lang="pl-PL" dirty="0"/>
-              <a:t>U usporedbi s našom implementacijom: znatno brži</a:t>
+              <a:t>U usporedbi s našom implementacijom: znatno brži i znatno manji utrošak memorije</a:t>
             </a:r>
           </a:p>
           <a:p>
@@ -16509,6 +16509,15 @@
 </file>
 
 <file path=customXml/item1.xml><?xml version="1.0" encoding="utf-8"?>
+<?mso-contentType ?>
+<FormTemplates xmlns="http://schemas.microsoft.com/sharepoint/v3/contenttype/forms">
+  <Display>DocumentLibraryForm</Display>
+  <Edit>DocumentLibraryForm</Edit>
+  <New>DocumentLibraryForm</New>
+</FormTemplates>
+</file>
+
+<file path=customXml/item2.xml><?xml version="1.0" encoding="utf-8"?>
 <ct:contentTypeSchema xmlns:ct="http://schemas.microsoft.com/office/2006/metadata/contentType" xmlns:ma="http://schemas.microsoft.com/office/2006/metadata/properties/metaAttributes" ct:_="" ma:_="" ma:contentTypeName="Dokument" ma:contentTypeID="0x010100559FAE0099515A46863F4F3573A8FE10" ma:contentTypeVersion="11" ma:contentTypeDescription="Stvaranje novog dokumenta." ma:contentTypeScope="" ma:versionID="ec443ec623c438309e82a7b498a7e84b">
   <xsd:schema xmlns:xsd="http://www.w3.org/2001/XMLSchema" xmlns:xs="http://www.w3.org/2001/XMLSchema" xmlns:p="http://schemas.microsoft.com/office/2006/metadata/properties" xmlns:ns3="cd8c076a-3dde-4dd5-9535-c65fb9dab8d6" targetNamespace="http://schemas.microsoft.com/office/2006/metadata/properties" ma:root="true" ma:fieldsID="20fba139f0528b95c9ab8d414a6cef01" ns3:_="">
     <xsd:import namespace="cd8c076a-3dde-4dd5-9535-c65fb9dab8d6"/>
@@ -16696,15 +16705,6 @@
 </ct:contentTypeSchema>
 </file>
 
-<file path=customXml/item2.xml><?xml version="1.0" encoding="utf-8"?>
-<?mso-contentType ?>
-<FormTemplates xmlns="http://schemas.microsoft.com/sharepoint/v3/contenttype/forms">
-  <Display>DocumentLibraryForm</Display>
-  <Edit>DocumentLibraryForm</Edit>
-  <New>DocumentLibraryForm</New>
-</FormTemplates>
-</file>
-
 <file path=customXml/item3.xml><?xml version="1.0" encoding="utf-8"?>
 <p:properties xmlns:p="http://schemas.microsoft.com/office/2006/metadata/properties" xmlns:xsi="http://www.w3.org/2001/XMLSchema-instance" xmlns:pc="http://schemas.microsoft.com/office/infopath/2007/PartnerControls">
   <documentManagement>
@@ -16714,6 +16714,14 @@
 </file>
 
 <file path=customXml/itemProps1.xml><?xml version="1.0" encoding="utf-8"?>
+<ds:datastoreItem xmlns:ds="http://schemas.openxmlformats.org/officeDocument/2006/customXml" ds:itemID="{05D99ABA-76CE-4A8E-B5F0-C051B96628DE}">
+  <ds:schemaRefs>
+    <ds:schemaRef ds:uri="http://schemas.microsoft.com/sharepoint/v3/contenttype/forms"/>
+  </ds:schemaRefs>
+</ds:datastoreItem>
+</file>
+
+<file path=customXml/itemProps2.xml><?xml version="1.0" encoding="utf-8"?>
 <ds:datastoreItem xmlns:ds="http://schemas.openxmlformats.org/officeDocument/2006/customXml" ds:itemID="{06BC7F49-BD45-4F0E-AD88-86B9B5EF6518}">
   <ds:schemaRefs>
     <ds:schemaRef ds:uri="http://schemas.microsoft.com/office/2006/metadata/contentType"/>
@@ -16727,14 +16735,6 @@
     <ds:schemaRef ds:uri="http://purl.org/dc/elements/1.1/"/>
     <ds:schemaRef ds:uri="http://purl.org/dc/terms/"/>
     <ds:schemaRef ds:uri="http://schemas.microsoft.com/internal/obd"/>
-  </ds:schemaRefs>
-</ds:datastoreItem>
-</file>
-
-<file path=customXml/itemProps2.xml><?xml version="1.0" encoding="utf-8"?>
-<ds:datastoreItem xmlns:ds="http://schemas.openxmlformats.org/officeDocument/2006/customXml" ds:itemID="{05D99ABA-76CE-4A8E-B5F0-C051B96628DE}">
-  <ds:schemaRefs>
-    <ds:schemaRef ds:uri="http://schemas.microsoft.com/sharepoint/v3/contenttype/forms"/>
   </ds:schemaRefs>
 </ds:datastoreItem>
 </file>
